--- a/front-end.pptx
+++ b/front-end.pptx
@@ -9,9 +9,11 @@
     <p:sldId id="257" r:id="rId3"/>
     <p:sldId id="258" r:id="rId4"/>
     <p:sldId id="259" r:id="rId5"/>
-    <p:sldId id="260" r:id="rId6"/>
-    <p:sldId id="262" r:id="rId7"/>
-    <p:sldId id="261" r:id="rId8"/>
+    <p:sldId id="263" r:id="rId6"/>
+    <p:sldId id="260" r:id="rId7"/>
+    <p:sldId id="262" r:id="rId8"/>
+    <p:sldId id="264" r:id="rId9"/>
+    <p:sldId id="261" r:id="rId10"/>
   </p:sldIdLst>
   <p:sldSz cx="12192000" cy="6858000"/>
   <p:notesSz cx="6858000" cy="9144000"/>
@@ -5668,7 +5670,11 @@
           <a:p>
             <a:r>
               <a:rPr lang="pt-BR" dirty="0" smtClean="0"/>
-              <a:t>Desenvolvimento - web</a:t>
+              <a:t>Desenvolvimento </a:t>
+            </a:r>
+            <a:r>
+              <a:rPr lang="pt-BR" dirty="0" smtClean="0"/>
+              <a:t>web</a:t>
             </a:r>
             <a:endParaRPr lang="pt-BR" dirty="0"/>
           </a:p>
@@ -5756,8 +5762,16 @@
           <a:lstStyle/>
           <a:p>
             <a:r>
+              <a:rPr lang="pt-BR" dirty="0" smtClean="0"/>
+              <a:t>Desenvolvimento </a:t>
+            </a:r>
+            <a:r>
+              <a:rPr lang="pt-BR" dirty="0" smtClean="0"/>
+              <a:t>web – Front </a:t>
+            </a:r>
+            <a:r>
               <a:rPr lang="pt-BR" dirty="0" err="1" smtClean="0"/>
-              <a:t>JQuery</a:t>
+              <a:t>end</a:t>
             </a:r>
             <a:endParaRPr lang="pt-BR" dirty="0"/>
           </a:p>
@@ -5783,6 +5797,95 @@
           <a:bodyPr/>
           <a:lstStyle/>
           <a:p>
+            <a:endParaRPr lang="pt-BR" dirty="0"/>
+          </a:p>
+        </p:txBody>
+      </p:sp>
+    </p:spTree>
+    <p:extLst>
+      <p:ext uri="{BB962C8B-B14F-4D97-AF65-F5344CB8AC3E}">
+        <p14:creationId xmlns:p14="http://schemas.microsoft.com/office/powerpoint/2010/main" val="1376429059"/>
+      </p:ext>
+    </p:extLst>
+  </p:cSld>
+  <p:clrMapOvr>
+    <a:masterClrMapping/>
+  </p:clrMapOvr>
+  <p:timing>
+    <p:tnLst>
+      <p:par>
+        <p:cTn id="1" dur="indefinite" restart="never" nodeType="tmRoot"/>
+      </p:par>
+    </p:tnLst>
+  </p:timing>
+</p:sld>
+</file>
+
+<file path=ppt/slides/slide6.xml><?xml version="1.0" encoding="utf-8"?>
+<p:sld xmlns:a="http://schemas.openxmlformats.org/drawingml/2006/main" xmlns:r="http://schemas.openxmlformats.org/officeDocument/2006/relationships" xmlns:p="http://schemas.openxmlformats.org/presentationml/2006/main">
+  <p:cSld>
+    <p:spTree>
+      <p:nvGrpSpPr>
+        <p:cNvPr id="1" name=""/>
+        <p:cNvGrpSpPr/>
+        <p:nvPr/>
+      </p:nvGrpSpPr>
+      <p:grpSpPr>
+        <a:xfrm>
+          <a:off x="0" y="0"/>
+          <a:ext cx="0" cy="0"/>
+          <a:chOff x="0" y="0"/>
+          <a:chExt cx="0" cy="0"/>
+        </a:xfrm>
+      </p:grpSpPr>
+      <p:sp>
+        <p:nvSpPr>
+          <p:cNvPr id="4" name="Título 3"/>
+          <p:cNvSpPr>
+            <a:spLocks noGrp="1"/>
+          </p:cNvSpPr>
+          <p:nvPr>
+            <p:ph type="title"/>
+          </p:nvPr>
+        </p:nvSpPr>
+        <p:spPr>
+          <a:xfrm>
+            <a:off x="684212" y="685800"/>
+            <a:ext cx="8534400" cy="1507067"/>
+          </a:xfrm>
+        </p:spPr>
+        <p:txBody>
+          <a:bodyPr/>
+          <a:lstStyle/>
+          <a:p>
+            <a:r>
+              <a:rPr lang="pt-BR" dirty="0" err="1" smtClean="0"/>
+              <a:t>JQuery</a:t>
+            </a:r>
+            <a:endParaRPr lang="pt-BR" dirty="0"/>
+          </a:p>
+        </p:txBody>
+      </p:sp>
+      <p:sp>
+        <p:nvSpPr>
+          <p:cNvPr id="5" name="Espaço Reservado para Conteúdo 4"/>
+          <p:cNvSpPr>
+            <a:spLocks noGrp="1"/>
+          </p:cNvSpPr>
+          <p:nvPr>
+            <p:ph idx="1"/>
+          </p:nvPr>
+        </p:nvSpPr>
+        <p:spPr>
+          <a:xfrm>
+            <a:off x="684212" y="2753591"/>
+            <a:ext cx="8534400" cy="3615267"/>
+          </a:xfrm>
+        </p:spPr>
+        <p:txBody>
+          <a:bodyPr/>
+          <a:lstStyle/>
+          <a:p>
             <a:r>
               <a:rPr lang="pt-BR" dirty="0"/>
               <a:t>Biblioteca Open </a:t>
@@ -5814,7 +5917,6 @@
               <a:rPr lang="pt-BR" dirty="0" smtClean="0"/>
               <a:t>e manipulação de eventos</a:t>
             </a:r>
-            <a:endParaRPr lang="pt-BR" dirty="0" smtClean="0"/>
           </a:p>
           <a:p>
             <a:r>
@@ -6029,7 +6131,7 @@
 </p:sld>
 </file>
 
-<file path=ppt/slides/slide6.xml><?xml version="1.0" encoding="utf-8"?>
+<file path=ppt/slides/slide7.xml><?xml version="1.0" encoding="utf-8"?>
 <p:sld xmlns:a="http://schemas.openxmlformats.org/drawingml/2006/main" xmlns:r="http://schemas.openxmlformats.org/officeDocument/2006/relationships" xmlns:p="http://schemas.openxmlformats.org/presentationml/2006/main">
   <p:cSld>
     <p:spTree>
@@ -6177,7 +6279,7 @@
 </p:sld>
 </file>
 
-<file path=ppt/slides/slide7.xml><?xml version="1.0" encoding="utf-8"?>
+<file path=ppt/slides/slide8.xml><?xml version="1.0" encoding="utf-8"?>
 <p:sld xmlns:a="http://schemas.openxmlformats.org/drawingml/2006/main" xmlns:r="http://schemas.openxmlformats.org/officeDocument/2006/relationships" xmlns:p="http://schemas.openxmlformats.org/presentationml/2006/main">
   <p:cSld>
     <p:spTree>
@@ -6247,9 +6349,192 @@
           <a:lstStyle/>
           <a:p>
             <a:r>
+              <a:rPr lang="pt-BR" dirty="0" smtClean="0"/>
+              <a:t>Utiliza </a:t>
+            </a:r>
+            <a:r>
+              <a:rPr lang="pt-BR" dirty="0" err="1" smtClean="0"/>
+              <a:t>Jquery</a:t>
+            </a:r>
+            <a:endParaRPr lang="pt-BR" dirty="0" smtClean="0"/>
+          </a:p>
+          <a:p>
+            <a:r>
+              <a:rPr lang="pt-BR" dirty="0">
+                <a:hlinkClick r:id="rId2"/>
+              </a:rPr>
+              <a:t>http://semantic-ui.com/introduction/getting-started.html</a:t>
+            </a:r>
+            <a:endParaRPr lang="pt-BR" dirty="0"/>
+          </a:p>
+          <a:p>
+            <a:endParaRPr lang="pt-BR" dirty="0" smtClean="0"/>
+          </a:p>
+          <a:p>
+            <a:endParaRPr lang="pt-BR" dirty="0"/>
+          </a:p>
+        </p:txBody>
+      </p:sp>
+    </p:spTree>
+    <p:extLst>
+      <p:ext uri="{BB962C8B-B14F-4D97-AF65-F5344CB8AC3E}">
+        <p14:creationId xmlns:p14="http://schemas.microsoft.com/office/powerpoint/2010/main" val="380857669"/>
+      </p:ext>
+    </p:extLst>
+  </p:cSld>
+  <p:clrMapOvr>
+    <a:masterClrMapping/>
+  </p:clrMapOvr>
+  <p:timing>
+    <p:tnLst>
+      <p:par>
+        <p:cTn id="1" dur="indefinite" restart="never" nodeType="tmRoot"/>
+      </p:par>
+    </p:tnLst>
+  </p:timing>
+</p:sld>
+</file>
+
+<file path=ppt/slides/slide9.xml><?xml version="1.0" encoding="utf-8"?>
+<p:sld xmlns:a="http://schemas.openxmlformats.org/drawingml/2006/main" xmlns:r="http://schemas.openxmlformats.org/officeDocument/2006/relationships" xmlns:p="http://schemas.openxmlformats.org/presentationml/2006/main">
+  <p:cSld>
+    <p:spTree>
+      <p:nvGrpSpPr>
+        <p:cNvPr id="1" name=""/>
+        <p:cNvGrpSpPr/>
+        <p:nvPr/>
+      </p:nvGrpSpPr>
+      <p:grpSpPr>
+        <a:xfrm>
+          <a:off x="0" y="0"/>
+          <a:ext cx="0" cy="0"/>
+          <a:chOff x="0" y="0"/>
+          <a:chExt cx="0" cy="0"/>
+        </a:xfrm>
+      </p:grpSpPr>
+      <p:sp>
+        <p:nvSpPr>
+          <p:cNvPr id="4" name="Título 3"/>
+          <p:cNvSpPr>
+            <a:spLocks noGrp="1"/>
+          </p:cNvSpPr>
+          <p:nvPr>
+            <p:ph type="title"/>
+          </p:nvPr>
+        </p:nvSpPr>
+        <p:spPr>
+          <a:xfrm>
+            <a:off x="684212" y="685800"/>
+            <a:ext cx="8534400" cy="1507067"/>
+          </a:xfrm>
+        </p:spPr>
+        <p:txBody>
+          <a:bodyPr/>
+          <a:lstStyle/>
+          <a:p>
+            <a:r>
+              <a:rPr lang="pt-BR" dirty="0" smtClean="0"/>
+              <a:t>Outros Frameworks</a:t>
+            </a:r>
+            <a:endParaRPr lang="pt-BR" dirty="0"/>
+          </a:p>
+        </p:txBody>
+      </p:sp>
+      <p:sp>
+        <p:nvSpPr>
+          <p:cNvPr id="5" name="Espaço Reservado para Conteúdo 4"/>
+          <p:cNvSpPr>
+            <a:spLocks noGrp="1"/>
+          </p:cNvSpPr>
+          <p:nvPr>
+            <p:ph idx="1"/>
+          </p:nvPr>
+        </p:nvSpPr>
+        <p:spPr>
+          <a:xfrm>
+            <a:off x="684212" y="2753591"/>
+            <a:ext cx="8534400" cy="3615267"/>
+          </a:xfrm>
+        </p:spPr>
+        <p:txBody>
+          <a:bodyPr/>
+          <a:lstStyle/>
+          <a:p>
+            <a:r>
+              <a:rPr lang="pt-BR" dirty="0" err="1" smtClean="0"/>
+              <a:t>Bootstrap</a:t>
+            </a:r>
+            <a:r>
               <a:rPr lang="pt-BR" dirty="0"/>
-              <a:t>http://semantic-ui.com/introduction/getting-started.html</a:t>
-            </a:r>
+              <a:t>: </a:t>
+            </a:r>
+            <a:endParaRPr lang="pt-BR" dirty="0" smtClean="0"/>
+          </a:p>
+          <a:p>
+            <a:pPr lvl="1"/>
+            <a:r>
+              <a:rPr lang="pt-BR" dirty="0" smtClean="0"/>
+              <a:t>Atualmente é o framework mais utilizado no mercado</a:t>
+            </a:r>
+          </a:p>
+          <a:p>
+            <a:pPr lvl="1"/>
+            <a:r>
+              <a:rPr lang="pt-BR" dirty="0" smtClean="0"/>
+              <a:t>Link: </a:t>
+            </a:r>
+            <a:r>
+              <a:rPr lang="pt-BR" dirty="0" smtClean="0">
+                <a:hlinkClick r:id="rId2"/>
+              </a:rPr>
+              <a:t>http</a:t>
+            </a:r>
+            <a:r>
+              <a:rPr lang="pt-BR" dirty="0">
+                <a:hlinkClick r:id="rId2"/>
+              </a:rPr>
+              <a:t>://getbootstrap.com/</a:t>
+            </a:r>
+            <a:endParaRPr lang="pt-BR" dirty="0"/>
+          </a:p>
+          <a:p>
+            <a:endParaRPr lang="pt-BR" dirty="0" smtClean="0"/>
+          </a:p>
+          <a:p>
+            <a:r>
+              <a:rPr lang="pt-BR" dirty="0"/>
+              <a:t>Materialize: </a:t>
+            </a:r>
+            <a:endParaRPr lang="pt-BR" dirty="0" smtClean="0"/>
+          </a:p>
+          <a:p>
+            <a:pPr lvl="1"/>
+            <a:r>
+              <a:rPr lang="pt-BR" dirty="0" smtClean="0"/>
+              <a:t>Desenvolvido pela Google</a:t>
+            </a:r>
+          </a:p>
+          <a:p>
+            <a:pPr lvl="1"/>
+            <a:r>
+              <a:rPr lang="pt-BR" dirty="0" smtClean="0"/>
+              <a:t>Ainda na versão Beta</a:t>
+            </a:r>
+          </a:p>
+          <a:p>
+            <a:pPr lvl="1"/>
+            <a:r>
+              <a:rPr lang="pt-BR" dirty="0" smtClean="0"/>
+              <a:t>Link: http</a:t>
+            </a:r>
+            <a:r>
+              <a:rPr lang="pt-BR" dirty="0"/>
+              <a:t>://materializecss.com/</a:t>
+            </a:r>
+            <a:endParaRPr lang="pt-BR" dirty="0" smtClean="0"/>
+          </a:p>
+          <a:p>
+            <a:endParaRPr lang="pt-BR" dirty="0"/>
           </a:p>
         </p:txBody>
       </p:sp>

--- a/front-end.pptx
+++ b/front-end.pptx
@@ -312,7 +312,7 @@
             <a:fld id="{B61BEF0D-F0BB-DE4B-95CE-6DB70DBA9567}" type="datetimeFigureOut">
               <a:rPr lang="en-US" dirty="0"/>
               <a:pPr/>
-              <a:t>9/1/2016</a:t>
+              <a:t>9/2/2016</a:t>
             </a:fld>
             <a:endParaRPr lang="en-US" dirty="0"/>
           </a:p>
@@ -745,7 +745,7 @@
             <a:fld id="{B61BEF0D-F0BB-DE4B-95CE-6DB70DBA9567}" type="datetimeFigureOut">
               <a:rPr lang="en-US" dirty="0"/>
               <a:pPr/>
-              <a:t>9/1/2016</a:t>
+              <a:t>9/2/2016</a:t>
             </a:fld>
             <a:endParaRPr lang="en-US" dirty="0"/>
           </a:p>
@@ -992,7 +992,7 @@
             <a:fld id="{B61BEF0D-F0BB-DE4B-95CE-6DB70DBA9567}" type="datetimeFigureOut">
               <a:rPr lang="en-US" dirty="0"/>
               <a:pPr/>
-              <a:t>9/1/2016</a:t>
+              <a:t>9/2/2016</a:t>
             </a:fld>
             <a:endParaRPr lang="en-US" dirty="0"/>
           </a:p>
@@ -1297,7 +1297,7 @@
             <a:fld id="{B61BEF0D-F0BB-DE4B-95CE-6DB70DBA9567}" type="datetimeFigureOut">
               <a:rPr lang="en-US" dirty="0"/>
               <a:pPr/>
-              <a:t>9/1/2016</a:t>
+              <a:t>9/2/2016</a:t>
             </a:fld>
             <a:endParaRPr lang="en-US" dirty="0"/>
           </a:p>
@@ -1612,7 +1612,7 @@
             <a:fld id="{B61BEF0D-F0BB-DE4B-95CE-6DB70DBA9567}" type="datetimeFigureOut">
               <a:rPr lang="en-US" dirty="0"/>
               <a:pPr/>
-              <a:t>9/1/2016</a:t>
+              <a:t>9/2/2016</a:t>
             </a:fld>
             <a:endParaRPr lang="en-US" dirty="0"/>
           </a:p>
@@ -1911,7 +1911,7 @@
             <a:fld id="{B61BEF0D-F0BB-DE4B-95CE-6DB70DBA9567}" type="datetimeFigureOut">
               <a:rPr lang="en-US" dirty="0"/>
               <a:pPr/>
-              <a:t>9/1/2016</a:t>
+              <a:t>9/2/2016</a:t>
             </a:fld>
             <a:endParaRPr lang="en-US" dirty="0"/>
           </a:p>
@@ -2275,7 +2275,7 @@
             <a:fld id="{B61BEF0D-F0BB-DE4B-95CE-6DB70DBA9567}" type="datetimeFigureOut">
               <a:rPr lang="en-US" dirty="0"/>
               <a:pPr/>
-              <a:t>9/1/2016</a:t>
+              <a:t>9/2/2016</a:t>
             </a:fld>
             <a:endParaRPr lang="en-US" dirty="0"/>
           </a:p>
@@ -2446,7 +2446,7 @@
             <a:fld id="{B61BEF0D-F0BB-DE4B-95CE-6DB70DBA9567}" type="datetimeFigureOut">
               <a:rPr lang="en-US" dirty="0"/>
               <a:pPr/>
-              <a:t>9/1/2016</a:t>
+              <a:t>9/2/2016</a:t>
             </a:fld>
             <a:endParaRPr lang="en-US" dirty="0"/>
           </a:p>
@@ -2623,7 +2623,7 @@
             <a:fld id="{B61BEF0D-F0BB-DE4B-95CE-6DB70DBA9567}" type="datetimeFigureOut">
               <a:rPr lang="en-US" dirty="0"/>
               <a:pPr/>
-              <a:t>9/1/2016</a:t>
+              <a:t>9/2/2016</a:t>
             </a:fld>
             <a:endParaRPr lang="en-US" dirty="0"/>
           </a:p>
@@ -2790,7 +2790,7 @@
             <a:fld id="{B61BEF0D-F0BB-DE4B-95CE-6DB70DBA9567}" type="datetimeFigureOut">
               <a:rPr lang="en-US" dirty="0"/>
               <a:pPr/>
-              <a:t>9/1/2016</a:t>
+              <a:t>9/2/2016</a:t>
             </a:fld>
             <a:endParaRPr lang="en-US" dirty="0"/>
           </a:p>
@@ -3037,7 +3037,7 @@
             <a:fld id="{B61BEF0D-F0BB-DE4B-95CE-6DB70DBA9567}" type="datetimeFigureOut">
               <a:rPr lang="en-US" dirty="0"/>
               <a:pPr/>
-              <a:t>9/1/2016</a:t>
+              <a:t>9/2/2016</a:t>
             </a:fld>
             <a:endParaRPr lang="en-US" dirty="0"/>
           </a:p>
@@ -3270,7 +3270,7 @@
             <a:fld id="{B61BEF0D-F0BB-DE4B-95CE-6DB70DBA9567}" type="datetimeFigureOut">
               <a:rPr lang="en-US" dirty="0"/>
               <a:pPr/>
-              <a:t>9/1/2016</a:t>
+              <a:t>9/2/2016</a:t>
             </a:fld>
             <a:endParaRPr lang="en-US" dirty="0"/>
           </a:p>
@@ -3649,7 +3649,7 @@
             <a:fld id="{B61BEF0D-F0BB-DE4B-95CE-6DB70DBA9567}" type="datetimeFigureOut">
               <a:rPr lang="en-US" dirty="0"/>
               <a:pPr/>
-              <a:t>9/1/2016</a:t>
+              <a:t>9/2/2016</a:t>
             </a:fld>
             <a:endParaRPr lang="en-US" dirty="0"/>
           </a:p>
@@ -3764,7 +3764,7 @@
             <a:fld id="{B61BEF0D-F0BB-DE4B-95CE-6DB70DBA9567}" type="datetimeFigureOut">
               <a:rPr lang="en-US" dirty="0"/>
               <a:pPr/>
-              <a:t>9/1/2016</a:t>
+              <a:t>9/2/2016</a:t>
             </a:fld>
             <a:endParaRPr lang="en-US" dirty="0"/>
           </a:p>
@@ -3856,7 +3856,7 @@
             <a:fld id="{B61BEF0D-F0BB-DE4B-95CE-6DB70DBA9567}" type="datetimeFigureOut">
               <a:rPr lang="en-US" dirty="0"/>
               <a:pPr/>
-              <a:t>9/1/2016</a:t>
+              <a:t>9/2/2016</a:t>
             </a:fld>
             <a:endParaRPr lang="en-US" dirty="0"/>
           </a:p>
@@ -4108,7 +4108,7 @@
             <a:fld id="{B61BEF0D-F0BB-DE4B-95CE-6DB70DBA9567}" type="datetimeFigureOut">
               <a:rPr lang="en-US" dirty="0"/>
               <a:pPr/>
-              <a:t>9/1/2016</a:t>
+              <a:t>9/2/2016</a:t>
             </a:fld>
             <a:endParaRPr lang="en-US" dirty="0"/>
           </a:p>
@@ -4388,7 +4388,7 @@
             <a:fld id="{B61BEF0D-F0BB-DE4B-95CE-6DB70DBA9567}" type="datetimeFigureOut">
               <a:rPr lang="en-US" dirty="0"/>
               <a:pPr/>
-              <a:t>9/1/2016</a:t>
+              <a:t>9/2/2016</a:t>
             </a:fld>
             <a:endParaRPr lang="en-US" dirty="0"/>
           </a:p>
@@ -4791,7 +4791,7 @@
             <a:fld id="{B61BEF0D-F0BB-DE4B-95CE-6DB70DBA9567}" type="datetimeFigureOut">
               <a:rPr lang="en-US" dirty="0"/>
               <a:pPr/>
-              <a:t>9/1/2016</a:t>
+              <a:t>9/2/2016</a:t>
             </a:fld>
             <a:endParaRPr lang="en-US" dirty="0"/>
           </a:p>
@@ -5670,11 +5670,7 @@
           <a:p>
             <a:r>
               <a:rPr lang="pt-BR" dirty="0" smtClean="0"/>
-              <a:t>Desenvolvimento </a:t>
-            </a:r>
-            <a:r>
-              <a:rPr lang="pt-BR" dirty="0" smtClean="0"/>
-              <a:t>web</a:t>
+              <a:t>Desenvolvimento web</a:t>
             </a:r>
             <a:endParaRPr lang="pt-BR" dirty="0"/>
           </a:p>
@@ -5763,11 +5759,7 @@
           <a:p>
             <a:r>
               <a:rPr lang="pt-BR" dirty="0" smtClean="0"/>
-              <a:t>Desenvolvimento </a:t>
-            </a:r>
-            <a:r>
-              <a:rPr lang="pt-BR" dirty="0" smtClean="0"/>
-              <a:t>web – Front </a:t>
+              <a:t>Desenvolvimento web – Front </a:t>
             </a:r>
             <a:r>
               <a:rPr lang="pt-BR" dirty="0" err="1" smtClean="0"/>
@@ -5949,7 +5941,7 @@
           <p:nvPr>
             <p:extLst>
               <p:ext uri="{D42A27DB-BD31-4B8C-83A1-F6EECF244321}">
-                <p14:modId xmlns:p14="http://schemas.microsoft.com/office/powerpoint/2010/main" val="3415063163"/>
+                <p14:modId xmlns:p14="http://schemas.microsoft.com/office/powerpoint/2010/main" val="2878193981"/>
               </p:ext>
             </p:extLst>
           </p:nvPr>
@@ -6097,8 +6089,9 @@
                       </a:r>
                       <a:r>
                         <a:rPr lang="pt-BR" sz="1600" dirty="0" smtClean="0"/>
-                        <a:t>(5);</a:t>
+                        <a:t>(10);</a:t>
                       </a:r>
+                      <a:endParaRPr lang="pt-BR" sz="1600" dirty="0" smtClean="0"/>
                     </a:p>
                     <a:p>
                       <a:endParaRPr lang="pt-BR" sz="1600" dirty="0"/>

--- a/front-end.pptx
+++ b/front-end.pptx
@@ -9,11 +9,18 @@
     <p:sldId id="257" r:id="rId3"/>
     <p:sldId id="258" r:id="rId4"/>
     <p:sldId id="259" r:id="rId5"/>
-    <p:sldId id="263" r:id="rId6"/>
-    <p:sldId id="260" r:id="rId7"/>
-    <p:sldId id="262" r:id="rId8"/>
-    <p:sldId id="264" r:id="rId9"/>
-    <p:sldId id="261" r:id="rId10"/>
+    <p:sldId id="266" r:id="rId6"/>
+    <p:sldId id="263" r:id="rId7"/>
+    <p:sldId id="267" r:id="rId8"/>
+    <p:sldId id="268" r:id="rId9"/>
+    <p:sldId id="269" r:id="rId10"/>
+    <p:sldId id="272" r:id="rId11"/>
+    <p:sldId id="265" r:id="rId12"/>
+    <p:sldId id="260" r:id="rId13"/>
+    <p:sldId id="271" r:id="rId14"/>
+    <p:sldId id="262" r:id="rId15"/>
+    <p:sldId id="264" r:id="rId16"/>
+    <p:sldId id="261" r:id="rId17"/>
   </p:sldIdLst>
   <p:sldSz cx="12192000" cy="6858000"/>
   <p:notesSz cx="6858000" cy="9144000"/>
@@ -312,7 +319,7 @@
             <a:fld id="{B61BEF0D-F0BB-DE4B-95CE-6DB70DBA9567}" type="datetimeFigureOut">
               <a:rPr lang="en-US" dirty="0"/>
               <a:pPr/>
-              <a:t>9/2/2016</a:t>
+              <a:t>9/5/2016</a:t>
             </a:fld>
             <a:endParaRPr lang="en-US" dirty="0"/>
           </a:p>
@@ -745,7 +752,7 @@
             <a:fld id="{B61BEF0D-F0BB-DE4B-95CE-6DB70DBA9567}" type="datetimeFigureOut">
               <a:rPr lang="en-US" dirty="0"/>
               <a:pPr/>
-              <a:t>9/2/2016</a:t>
+              <a:t>9/5/2016</a:t>
             </a:fld>
             <a:endParaRPr lang="en-US" dirty="0"/>
           </a:p>
@@ -992,7 +999,7 @@
             <a:fld id="{B61BEF0D-F0BB-DE4B-95CE-6DB70DBA9567}" type="datetimeFigureOut">
               <a:rPr lang="en-US" dirty="0"/>
               <a:pPr/>
-              <a:t>9/2/2016</a:t>
+              <a:t>9/5/2016</a:t>
             </a:fld>
             <a:endParaRPr lang="en-US" dirty="0"/>
           </a:p>
@@ -1297,7 +1304,7 @@
             <a:fld id="{B61BEF0D-F0BB-DE4B-95CE-6DB70DBA9567}" type="datetimeFigureOut">
               <a:rPr lang="en-US" dirty="0"/>
               <a:pPr/>
-              <a:t>9/2/2016</a:t>
+              <a:t>9/5/2016</a:t>
             </a:fld>
             <a:endParaRPr lang="en-US" dirty="0"/>
           </a:p>
@@ -1612,7 +1619,7 @@
             <a:fld id="{B61BEF0D-F0BB-DE4B-95CE-6DB70DBA9567}" type="datetimeFigureOut">
               <a:rPr lang="en-US" dirty="0"/>
               <a:pPr/>
-              <a:t>9/2/2016</a:t>
+              <a:t>9/5/2016</a:t>
             </a:fld>
             <a:endParaRPr lang="en-US" dirty="0"/>
           </a:p>
@@ -1911,7 +1918,7 @@
             <a:fld id="{B61BEF0D-F0BB-DE4B-95CE-6DB70DBA9567}" type="datetimeFigureOut">
               <a:rPr lang="en-US" dirty="0"/>
               <a:pPr/>
-              <a:t>9/2/2016</a:t>
+              <a:t>9/5/2016</a:t>
             </a:fld>
             <a:endParaRPr lang="en-US" dirty="0"/>
           </a:p>
@@ -2275,7 +2282,7 @@
             <a:fld id="{B61BEF0D-F0BB-DE4B-95CE-6DB70DBA9567}" type="datetimeFigureOut">
               <a:rPr lang="en-US" dirty="0"/>
               <a:pPr/>
-              <a:t>9/2/2016</a:t>
+              <a:t>9/5/2016</a:t>
             </a:fld>
             <a:endParaRPr lang="en-US" dirty="0"/>
           </a:p>
@@ -2446,7 +2453,7 @@
             <a:fld id="{B61BEF0D-F0BB-DE4B-95CE-6DB70DBA9567}" type="datetimeFigureOut">
               <a:rPr lang="en-US" dirty="0"/>
               <a:pPr/>
-              <a:t>9/2/2016</a:t>
+              <a:t>9/5/2016</a:t>
             </a:fld>
             <a:endParaRPr lang="en-US" dirty="0"/>
           </a:p>
@@ -2623,7 +2630,7 @@
             <a:fld id="{B61BEF0D-F0BB-DE4B-95CE-6DB70DBA9567}" type="datetimeFigureOut">
               <a:rPr lang="en-US" dirty="0"/>
               <a:pPr/>
-              <a:t>9/2/2016</a:t>
+              <a:t>9/5/2016</a:t>
             </a:fld>
             <a:endParaRPr lang="en-US" dirty="0"/>
           </a:p>
@@ -2790,7 +2797,7 @@
             <a:fld id="{B61BEF0D-F0BB-DE4B-95CE-6DB70DBA9567}" type="datetimeFigureOut">
               <a:rPr lang="en-US" dirty="0"/>
               <a:pPr/>
-              <a:t>9/2/2016</a:t>
+              <a:t>9/5/2016</a:t>
             </a:fld>
             <a:endParaRPr lang="en-US" dirty="0"/>
           </a:p>
@@ -3037,7 +3044,7 @@
             <a:fld id="{B61BEF0D-F0BB-DE4B-95CE-6DB70DBA9567}" type="datetimeFigureOut">
               <a:rPr lang="en-US" dirty="0"/>
               <a:pPr/>
-              <a:t>9/2/2016</a:t>
+              <a:t>9/5/2016</a:t>
             </a:fld>
             <a:endParaRPr lang="en-US" dirty="0"/>
           </a:p>
@@ -3270,7 +3277,7 @@
             <a:fld id="{B61BEF0D-F0BB-DE4B-95CE-6DB70DBA9567}" type="datetimeFigureOut">
               <a:rPr lang="en-US" dirty="0"/>
               <a:pPr/>
-              <a:t>9/2/2016</a:t>
+              <a:t>9/5/2016</a:t>
             </a:fld>
             <a:endParaRPr lang="en-US" dirty="0"/>
           </a:p>
@@ -3649,7 +3656,7 @@
             <a:fld id="{B61BEF0D-F0BB-DE4B-95CE-6DB70DBA9567}" type="datetimeFigureOut">
               <a:rPr lang="en-US" dirty="0"/>
               <a:pPr/>
-              <a:t>9/2/2016</a:t>
+              <a:t>9/5/2016</a:t>
             </a:fld>
             <a:endParaRPr lang="en-US" dirty="0"/>
           </a:p>
@@ -3764,7 +3771,7 @@
             <a:fld id="{B61BEF0D-F0BB-DE4B-95CE-6DB70DBA9567}" type="datetimeFigureOut">
               <a:rPr lang="en-US" dirty="0"/>
               <a:pPr/>
-              <a:t>9/2/2016</a:t>
+              <a:t>9/5/2016</a:t>
             </a:fld>
             <a:endParaRPr lang="en-US" dirty="0"/>
           </a:p>
@@ -3856,7 +3863,7 @@
             <a:fld id="{B61BEF0D-F0BB-DE4B-95CE-6DB70DBA9567}" type="datetimeFigureOut">
               <a:rPr lang="en-US" dirty="0"/>
               <a:pPr/>
-              <a:t>9/2/2016</a:t>
+              <a:t>9/5/2016</a:t>
             </a:fld>
             <a:endParaRPr lang="en-US" dirty="0"/>
           </a:p>
@@ -4108,7 +4115,7 @@
             <a:fld id="{B61BEF0D-F0BB-DE4B-95CE-6DB70DBA9567}" type="datetimeFigureOut">
               <a:rPr lang="en-US" dirty="0"/>
               <a:pPr/>
-              <a:t>9/2/2016</a:t>
+              <a:t>9/5/2016</a:t>
             </a:fld>
             <a:endParaRPr lang="en-US" dirty="0"/>
           </a:p>
@@ -4388,7 +4395,7 @@
             <a:fld id="{B61BEF0D-F0BB-DE4B-95CE-6DB70DBA9567}" type="datetimeFigureOut">
               <a:rPr lang="en-US" dirty="0"/>
               <a:pPr/>
-              <a:t>9/2/2016</a:t>
+              <a:t>9/5/2016</a:t>
             </a:fld>
             <a:endParaRPr lang="en-US" dirty="0"/>
           </a:p>
@@ -4791,7 +4798,7 @@
             <a:fld id="{B61BEF0D-F0BB-DE4B-95CE-6DB70DBA9567}" type="datetimeFigureOut">
               <a:rPr lang="en-US" dirty="0"/>
               <a:pPr/>
-              <a:t>9/2/2016</a:t>
+              <a:t>9/5/2016</a:t>
             </a:fld>
             <a:endParaRPr lang="en-US" dirty="0"/>
           </a:p>
@@ -5392,7 +5399,7 @@
 </p:sld>
 </file>
 
-<file path=ppt/slides/slide2.xml><?xml version="1.0" encoding="utf-8"?>
+<file path=ppt/slides/slide10.xml><?xml version="1.0" encoding="utf-8"?>
 <p:sld xmlns:a="http://schemas.openxmlformats.org/drawingml/2006/main" xmlns:r="http://schemas.openxmlformats.org/officeDocument/2006/relationships" xmlns:p="http://schemas.openxmlformats.org/presentationml/2006/main">
   <p:cSld>
     <p:spTree>
@@ -5431,7 +5438,27 @@
           <a:p>
             <a:r>
               <a:rPr lang="pt-BR" dirty="0" smtClean="0"/>
-              <a:t>Agenda</a:t>
+              <a:t>Exemplo prático envolvendo a trinca – </a:t>
+            </a:r>
+            <a:r>
+              <a:rPr lang="pt-BR" dirty="0" err="1" smtClean="0"/>
+              <a:t>html</a:t>
+            </a:r>
+            <a:r>
+              <a:rPr lang="pt-BR" dirty="0" smtClean="0"/>
+              <a:t>/</a:t>
+            </a:r>
+            <a:r>
+              <a:rPr lang="pt-BR" dirty="0" err="1" smtClean="0"/>
+              <a:t>css</a:t>
+            </a:r>
+            <a:r>
+              <a:rPr lang="pt-BR" dirty="0" smtClean="0"/>
+              <a:t>/</a:t>
+            </a:r>
+            <a:r>
+              <a:rPr lang="pt-BR" dirty="0" err="1" smtClean="0"/>
+              <a:t>javascript</a:t>
             </a:r>
             <a:endParaRPr lang="pt-BR" dirty="0"/>
           </a:p>
@@ -5457,57 +5484,125 @@
           <a:bodyPr/>
           <a:lstStyle/>
           <a:p>
-            <a:r>
-              <a:rPr lang="pt-BR" dirty="0" smtClean="0"/>
-              <a:t>Apresentação Matheus</a:t>
-            </a:r>
-          </a:p>
-          <a:p>
-            <a:r>
-              <a:rPr lang="pt-BR" dirty="0" smtClean="0"/>
-              <a:t>Resumo - Desenvolvimento WEB</a:t>
-            </a:r>
-          </a:p>
-          <a:p>
-            <a:r>
-              <a:rPr lang="pt-BR" dirty="0" smtClean="0"/>
-              <a:t>Tecnologias essenciais ao desenvolvimento FRONT-END</a:t>
-            </a:r>
-          </a:p>
-          <a:p>
-            <a:r>
-              <a:rPr lang="pt-BR" dirty="0" err="1" smtClean="0"/>
-              <a:t>Semantic</a:t>
-            </a:r>
-            <a:r>
-              <a:rPr lang="pt-BR" dirty="0" smtClean="0"/>
-              <a:t>-UI</a:t>
-            </a:r>
-          </a:p>
-          <a:p>
-            <a:r>
-              <a:rPr lang="pt-BR" dirty="0" smtClean="0"/>
-              <a:t>Dúvidas</a:t>
-            </a:r>
-          </a:p>
-          <a:p>
-            <a:r>
-              <a:rPr lang="pt-BR" dirty="0" smtClean="0"/>
-              <a:t>Exemplo prático</a:t>
-            </a:r>
+            <a:endParaRPr lang="pt-BR" dirty="0"/>
           </a:p>
           <a:p>
             <a:endParaRPr lang="pt-BR" dirty="0" smtClean="0"/>
           </a:p>
           <a:p>
             <a:endParaRPr lang="pt-BR" dirty="0"/>
+          </a:p>
+          <a:p>
+            <a:pPr marL="0" indent="0">
+              <a:buNone/>
+            </a:pPr>
+            <a:endParaRPr lang="pt-BR" dirty="0" smtClean="0"/>
+          </a:p>
+          <a:p>
+            <a:endParaRPr lang="pt-BR" dirty="0"/>
+          </a:p>
+          <a:p>
+            <a:pPr marL="0" indent="0">
+              <a:buNone/>
+            </a:pPr>
+            <a:endParaRPr lang="pt-BR" dirty="0"/>
+          </a:p>
+        </p:txBody>
+      </p:sp>
+      <p:pic>
+        <p:nvPicPr>
+          <p:cNvPr id="3" name="Imagem 2"/>
+          <p:cNvPicPr>
+            <a:picLocks noChangeAspect="1"/>
+          </p:cNvPicPr>
+          <p:nvPr/>
+        </p:nvPicPr>
+        <p:blipFill>
+          <a:blip r:embed="rId2">
+            <a:extLst>
+              <a:ext uri="{28A0092B-C50C-407E-A947-70E740481C1C}">
+                <a14:useLocalDpi xmlns:a14="http://schemas.microsoft.com/office/drawing/2010/main" val="0"/>
+              </a:ext>
+            </a:extLst>
+          </a:blip>
+          <a:stretch>
+            <a:fillRect/>
+          </a:stretch>
+        </p:blipFill>
+        <p:spPr>
+          <a:xfrm>
+            <a:off x="684212" y="2604628"/>
+            <a:ext cx="4677497" cy="3403179"/>
+          </a:xfrm>
+          <a:prstGeom prst="rect">
+            <a:avLst/>
+          </a:prstGeom>
+        </p:spPr>
+      </p:pic>
+      <p:pic>
+        <p:nvPicPr>
+          <p:cNvPr id="6" name="Imagem 5"/>
+          <p:cNvPicPr>
+            <a:picLocks noChangeAspect="1"/>
+          </p:cNvPicPr>
+          <p:nvPr/>
+        </p:nvPicPr>
+        <p:blipFill>
+          <a:blip r:embed="rId3">
+            <a:extLst>
+              <a:ext uri="{28A0092B-C50C-407E-A947-70E740481C1C}">
+                <a14:useLocalDpi xmlns:a14="http://schemas.microsoft.com/office/drawing/2010/main" val="0"/>
+              </a:ext>
+            </a:extLst>
+          </a:blip>
+          <a:stretch>
+            <a:fillRect/>
+          </a:stretch>
+        </p:blipFill>
+        <p:spPr>
+          <a:xfrm>
+            <a:off x="6443140" y="2607747"/>
+            <a:ext cx="5010616" cy="3400060"/>
+          </a:xfrm>
+          <a:prstGeom prst="rect">
+            <a:avLst/>
+          </a:prstGeom>
+        </p:spPr>
+      </p:pic>
+      <p:sp>
+        <p:nvSpPr>
+          <p:cNvPr id="7" name="CaixaDeTexto 6"/>
+          <p:cNvSpPr txBox="1"/>
+          <p:nvPr/>
+        </p:nvSpPr>
+        <p:spPr>
+          <a:xfrm>
+            <a:off x="5439641" y="3545561"/>
+            <a:ext cx="925567" cy="1015663"/>
+          </a:xfrm>
+          <a:prstGeom prst="rect">
+            <a:avLst/>
+          </a:prstGeom>
+          <a:noFill/>
+        </p:spPr>
+        <p:txBody>
+          <a:bodyPr wrap="square" rtlCol="0">
+            <a:spAutoFit/>
+          </a:bodyPr>
+          <a:lstStyle/>
+          <a:p>
+            <a:r>
+              <a:rPr lang="pt-BR" sz="6000" dirty="0" smtClean="0"/>
+              <a:t>→</a:t>
+            </a:r>
+            <a:endParaRPr lang="pt-BR" sz="6000" dirty="0"/>
           </a:p>
         </p:txBody>
       </p:sp>
     </p:spTree>
     <p:extLst>
       <p:ext uri="{BB962C8B-B14F-4D97-AF65-F5344CB8AC3E}">
-        <p14:creationId xmlns:p14="http://schemas.microsoft.com/office/powerpoint/2010/main" val="72434541"/>
+        <p14:creationId xmlns:p14="http://schemas.microsoft.com/office/powerpoint/2010/main" val="412657948"/>
       </p:ext>
     </p:extLst>
   </p:cSld>
@@ -5524,7 +5619,7 @@
 </p:sld>
 </file>
 
-<file path=ppt/slides/slide3.xml><?xml version="1.0" encoding="utf-8"?>
+<file path=ppt/slides/slide11.xml><?xml version="1.0" encoding="utf-8"?>
 <p:sld xmlns:a="http://schemas.openxmlformats.org/drawingml/2006/main" xmlns:r="http://schemas.openxmlformats.org/officeDocument/2006/relationships" xmlns:p="http://schemas.openxmlformats.org/presentationml/2006/main">
   <p:cSld>
     <p:spTree>
@@ -5563,7 +5658,7 @@
           <a:p>
             <a:r>
               <a:rPr lang="pt-BR" dirty="0" smtClean="0"/>
-              <a:t>Apresentação - Matheus</a:t>
+              <a:t>Ajax</a:t>
             </a:r>
             <a:endParaRPr lang="pt-BR" dirty="0"/>
           </a:p>
@@ -5591,22 +5686,25 @@
           <a:p>
             <a:r>
               <a:rPr lang="pt-BR" dirty="0" smtClean="0"/>
-              <a:t>Graduado em Engenharia de Software em 2015 – UnB</a:t>
-            </a:r>
-          </a:p>
-          <a:p>
+              <a:t>Criado por </a:t>
+            </a:r>
+            <a:r>
+              <a:rPr lang="pt-BR" dirty="0"/>
+              <a:t>Jesse James </a:t>
+            </a:r>
             <a:r>
               <a:rPr lang="pt-BR" dirty="0" smtClean="0"/>
-              <a:t>Desenvolvedor Front-</a:t>
-            </a:r>
-            <a:r>
-              <a:rPr lang="pt-BR" dirty="0" err="1" smtClean="0"/>
-              <a:t>End</a:t>
-            </a:r>
+              <a:t>Garrett em 2005</a:t>
+            </a:r>
+            <a:endParaRPr lang="pt-BR" dirty="0" smtClean="0"/>
+          </a:p>
+          <a:p>
             <a:r>
               <a:rPr lang="pt-BR" dirty="0" smtClean="0"/>
-              <a:t> desde 2015 atuando com educação à distância na UNA-SUS</a:t>
-            </a:r>
+              <a:t>Envia e recebe dados de um servidor sem precisar de recarregar a página</a:t>
+            </a:r>
+          </a:p>
+          <a:p>
             <a:endParaRPr lang="pt-BR" dirty="0"/>
           </a:p>
         </p:txBody>
@@ -5614,7 +5712,7 @@
     </p:spTree>
     <p:extLst>
       <p:ext uri="{BB962C8B-B14F-4D97-AF65-F5344CB8AC3E}">
-        <p14:creationId xmlns:p14="http://schemas.microsoft.com/office/powerpoint/2010/main" val="589200094"/>
+        <p14:creationId xmlns:p14="http://schemas.microsoft.com/office/powerpoint/2010/main" val="1253809776"/>
       </p:ext>
     </p:extLst>
   </p:cSld>
@@ -5631,189 +5729,7 @@
 </p:sld>
 </file>
 
-<file path=ppt/slides/slide4.xml><?xml version="1.0" encoding="utf-8"?>
-<p:sld xmlns:a="http://schemas.openxmlformats.org/drawingml/2006/main" xmlns:r="http://schemas.openxmlformats.org/officeDocument/2006/relationships" xmlns:p="http://schemas.openxmlformats.org/presentationml/2006/main">
-  <p:cSld>
-    <p:spTree>
-      <p:nvGrpSpPr>
-        <p:cNvPr id="1" name=""/>
-        <p:cNvGrpSpPr/>
-        <p:nvPr/>
-      </p:nvGrpSpPr>
-      <p:grpSpPr>
-        <a:xfrm>
-          <a:off x="0" y="0"/>
-          <a:ext cx="0" cy="0"/>
-          <a:chOff x="0" y="0"/>
-          <a:chExt cx="0" cy="0"/>
-        </a:xfrm>
-      </p:grpSpPr>
-      <p:sp>
-        <p:nvSpPr>
-          <p:cNvPr id="4" name="Título 3"/>
-          <p:cNvSpPr>
-            <a:spLocks noGrp="1"/>
-          </p:cNvSpPr>
-          <p:nvPr>
-            <p:ph type="title"/>
-          </p:nvPr>
-        </p:nvSpPr>
-        <p:spPr>
-          <a:xfrm>
-            <a:off x="684212" y="685800"/>
-            <a:ext cx="8534400" cy="1507067"/>
-          </a:xfrm>
-        </p:spPr>
-        <p:txBody>
-          <a:bodyPr/>
-          <a:lstStyle/>
-          <a:p>
-            <a:r>
-              <a:rPr lang="pt-BR" dirty="0" smtClean="0"/>
-              <a:t>Desenvolvimento web</a:t>
-            </a:r>
-            <a:endParaRPr lang="pt-BR" dirty="0"/>
-          </a:p>
-        </p:txBody>
-      </p:sp>
-      <p:sp>
-        <p:nvSpPr>
-          <p:cNvPr id="5" name="Espaço Reservado para Conteúdo 4"/>
-          <p:cNvSpPr>
-            <a:spLocks noGrp="1"/>
-          </p:cNvSpPr>
-          <p:nvPr>
-            <p:ph idx="1"/>
-          </p:nvPr>
-        </p:nvSpPr>
-        <p:spPr>
-          <a:xfrm>
-            <a:off x="684212" y="2753591"/>
-            <a:ext cx="8534400" cy="3615267"/>
-          </a:xfrm>
-        </p:spPr>
-        <p:txBody>
-          <a:bodyPr/>
-          <a:lstStyle/>
-          <a:p>
-            <a:endParaRPr lang="pt-BR" dirty="0"/>
-          </a:p>
-        </p:txBody>
-      </p:sp>
-    </p:spTree>
-    <p:extLst>
-      <p:ext uri="{BB962C8B-B14F-4D97-AF65-F5344CB8AC3E}">
-        <p14:creationId xmlns:p14="http://schemas.microsoft.com/office/powerpoint/2010/main" val="4152010874"/>
-      </p:ext>
-    </p:extLst>
-  </p:cSld>
-  <p:clrMapOvr>
-    <a:masterClrMapping/>
-  </p:clrMapOvr>
-  <p:timing>
-    <p:tnLst>
-      <p:par>
-        <p:cTn id="1" dur="indefinite" restart="never" nodeType="tmRoot"/>
-      </p:par>
-    </p:tnLst>
-  </p:timing>
-</p:sld>
-</file>
-
-<file path=ppt/slides/slide5.xml><?xml version="1.0" encoding="utf-8"?>
-<p:sld xmlns:a="http://schemas.openxmlformats.org/drawingml/2006/main" xmlns:r="http://schemas.openxmlformats.org/officeDocument/2006/relationships" xmlns:p="http://schemas.openxmlformats.org/presentationml/2006/main">
-  <p:cSld>
-    <p:spTree>
-      <p:nvGrpSpPr>
-        <p:cNvPr id="1" name=""/>
-        <p:cNvGrpSpPr/>
-        <p:nvPr/>
-      </p:nvGrpSpPr>
-      <p:grpSpPr>
-        <a:xfrm>
-          <a:off x="0" y="0"/>
-          <a:ext cx="0" cy="0"/>
-          <a:chOff x="0" y="0"/>
-          <a:chExt cx="0" cy="0"/>
-        </a:xfrm>
-      </p:grpSpPr>
-      <p:sp>
-        <p:nvSpPr>
-          <p:cNvPr id="4" name="Título 3"/>
-          <p:cNvSpPr>
-            <a:spLocks noGrp="1"/>
-          </p:cNvSpPr>
-          <p:nvPr>
-            <p:ph type="title"/>
-          </p:nvPr>
-        </p:nvSpPr>
-        <p:spPr>
-          <a:xfrm>
-            <a:off x="684212" y="685800"/>
-            <a:ext cx="8534400" cy="1507067"/>
-          </a:xfrm>
-        </p:spPr>
-        <p:txBody>
-          <a:bodyPr/>
-          <a:lstStyle/>
-          <a:p>
-            <a:r>
-              <a:rPr lang="pt-BR" dirty="0" smtClean="0"/>
-              <a:t>Desenvolvimento web – Front </a:t>
-            </a:r>
-            <a:r>
-              <a:rPr lang="pt-BR" dirty="0" err="1" smtClean="0"/>
-              <a:t>end</a:t>
-            </a:r>
-            <a:endParaRPr lang="pt-BR" dirty="0"/>
-          </a:p>
-        </p:txBody>
-      </p:sp>
-      <p:sp>
-        <p:nvSpPr>
-          <p:cNvPr id="5" name="Espaço Reservado para Conteúdo 4"/>
-          <p:cNvSpPr>
-            <a:spLocks noGrp="1"/>
-          </p:cNvSpPr>
-          <p:nvPr>
-            <p:ph idx="1"/>
-          </p:nvPr>
-        </p:nvSpPr>
-        <p:spPr>
-          <a:xfrm>
-            <a:off x="684212" y="2753591"/>
-            <a:ext cx="8534400" cy="3615267"/>
-          </a:xfrm>
-        </p:spPr>
-        <p:txBody>
-          <a:bodyPr/>
-          <a:lstStyle/>
-          <a:p>
-            <a:endParaRPr lang="pt-BR" dirty="0"/>
-          </a:p>
-        </p:txBody>
-      </p:sp>
-    </p:spTree>
-    <p:extLst>
-      <p:ext uri="{BB962C8B-B14F-4D97-AF65-F5344CB8AC3E}">
-        <p14:creationId xmlns:p14="http://schemas.microsoft.com/office/powerpoint/2010/main" val="1376429059"/>
-      </p:ext>
-    </p:extLst>
-  </p:cSld>
-  <p:clrMapOvr>
-    <a:masterClrMapping/>
-  </p:clrMapOvr>
-  <p:timing>
-    <p:tnLst>
-      <p:par>
-        <p:cTn id="1" dur="indefinite" restart="never" nodeType="tmRoot"/>
-      </p:par>
-    </p:tnLst>
-  </p:timing>
-</p:sld>
-</file>
-
-<file path=ppt/slides/slide6.xml><?xml version="1.0" encoding="utf-8"?>
+<file path=ppt/slides/slide12.xml><?xml version="1.0" encoding="utf-8"?>
 <p:sld xmlns:a="http://schemas.openxmlformats.org/drawingml/2006/main" xmlns:r="http://schemas.openxmlformats.org/officeDocument/2006/relationships" xmlns:p="http://schemas.openxmlformats.org/presentationml/2006/main">
   <p:cSld>
     <p:spTree>
@@ -6091,7 +6007,6 @@
                         <a:rPr lang="pt-BR" sz="1600" dirty="0" smtClean="0"/>
                         <a:t>(10);</a:t>
                       </a:r>
-                      <a:endParaRPr lang="pt-BR" sz="1600" dirty="0" smtClean="0"/>
                     </a:p>
                     <a:p>
                       <a:endParaRPr lang="pt-BR" sz="1600" dirty="0"/>
@@ -6108,6 +6023,1352 @@
     <p:extLst>
       <p:ext uri="{BB962C8B-B14F-4D97-AF65-F5344CB8AC3E}">
         <p14:creationId xmlns:p14="http://schemas.microsoft.com/office/powerpoint/2010/main" val="3356876519"/>
+      </p:ext>
+    </p:extLst>
+  </p:cSld>
+  <p:clrMapOvr>
+    <a:masterClrMapping/>
+  </p:clrMapOvr>
+  <p:timing>
+    <p:tnLst>
+      <p:par>
+        <p:cTn id="1" dur="indefinite" restart="never" nodeType="tmRoot"/>
+      </p:par>
+    </p:tnLst>
+  </p:timing>
+</p:sld>
+</file>
+
+<file path=ppt/slides/slide13.xml><?xml version="1.0" encoding="utf-8"?>
+<p:sld xmlns:a="http://schemas.openxmlformats.org/drawingml/2006/main" xmlns:r="http://schemas.openxmlformats.org/officeDocument/2006/relationships" xmlns:p="http://schemas.openxmlformats.org/presentationml/2006/main">
+  <p:cSld>
+    <p:spTree>
+      <p:nvGrpSpPr>
+        <p:cNvPr id="1" name=""/>
+        <p:cNvGrpSpPr/>
+        <p:nvPr/>
+      </p:nvGrpSpPr>
+      <p:grpSpPr>
+        <a:xfrm>
+          <a:off x="0" y="0"/>
+          <a:ext cx="0" cy="0"/>
+          <a:chOff x="0" y="0"/>
+          <a:chExt cx="0" cy="0"/>
+        </a:xfrm>
+      </p:grpSpPr>
+      <p:sp>
+        <p:nvSpPr>
+          <p:cNvPr id="4" name="Título 3"/>
+          <p:cNvSpPr>
+            <a:spLocks noGrp="1"/>
+          </p:cNvSpPr>
+          <p:nvPr>
+            <p:ph type="title"/>
+          </p:nvPr>
+        </p:nvSpPr>
+        <p:spPr>
+          <a:xfrm>
+            <a:off x="382876" y="529937"/>
+            <a:ext cx="8534400" cy="1507067"/>
+          </a:xfrm>
+        </p:spPr>
+        <p:txBody>
+          <a:bodyPr/>
+          <a:lstStyle/>
+          <a:p>
+            <a:r>
+              <a:rPr lang="pt-BR" dirty="0" smtClean="0"/>
+              <a:t>Exemplo </a:t>
+            </a:r>
+            <a:r>
+              <a:rPr lang="pt-BR" dirty="0" err="1" smtClean="0"/>
+              <a:t>Jquery</a:t>
+            </a:r>
+            <a:endParaRPr lang="pt-BR" dirty="0"/>
+          </a:p>
+        </p:txBody>
+      </p:sp>
+      <p:pic>
+        <p:nvPicPr>
+          <p:cNvPr id="3" name="Imagem 2"/>
+          <p:cNvPicPr>
+            <a:picLocks noChangeAspect="1"/>
+          </p:cNvPicPr>
+          <p:nvPr/>
+        </p:nvPicPr>
+        <p:blipFill>
+          <a:blip r:embed="rId2">
+            <a:extLst>
+              <a:ext uri="{28A0092B-C50C-407E-A947-70E740481C1C}">
+                <a14:useLocalDpi xmlns:a14="http://schemas.microsoft.com/office/drawing/2010/main" val="0"/>
+              </a:ext>
+            </a:extLst>
+          </a:blip>
+          <a:stretch>
+            <a:fillRect/>
+          </a:stretch>
+        </p:blipFill>
+        <p:spPr>
+          <a:xfrm>
+            <a:off x="382876" y="2944302"/>
+            <a:ext cx="5115639" cy="3172268"/>
+          </a:xfrm>
+          <a:prstGeom prst="rect">
+            <a:avLst/>
+          </a:prstGeom>
+        </p:spPr>
+      </p:pic>
+    </p:spTree>
+    <p:extLst>
+      <p:ext uri="{BB962C8B-B14F-4D97-AF65-F5344CB8AC3E}">
+        <p14:creationId xmlns:p14="http://schemas.microsoft.com/office/powerpoint/2010/main" val="387818313"/>
+      </p:ext>
+    </p:extLst>
+  </p:cSld>
+  <p:clrMapOvr>
+    <a:masterClrMapping/>
+  </p:clrMapOvr>
+  <p:timing>
+    <p:tnLst>
+      <p:par>
+        <p:cTn id="1" dur="indefinite" restart="never" nodeType="tmRoot"/>
+      </p:par>
+    </p:tnLst>
+  </p:timing>
+</p:sld>
+</file>
+
+<file path=ppt/slides/slide14.xml><?xml version="1.0" encoding="utf-8"?>
+<p:sld xmlns:a="http://schemas.openxmlformats.org/drawingml/2006/main" xmlns:r="http://schemas.openxmlformats.org/officeDocument/2006/relationships" xmlns:p="http://schemas.openxmlformats.org/presentationml/2006/main">
+  <p:cSld>
+    <p:spTree>
+      <p:nvGrpSpPr>
+        <p:cNvPr id="1" name=""/>
+        <p:cNvGrpSpPr/>
+        <p:nvPr/>
+      </p:nvGrpSpPr>
+      <p:grpSpPr>
+        <a:xfrm>
+          <a:off x="0" y="0"/>
+          <a:ext cx="0" cy="0"/>
+          <a:chOff x="0" y="0"/>
+          <a:chExt cx="0" cy="0"/>
+        </a:xfrm>
+      </p:grpSpPr>
+      <p:sp>
+        <p:nvSpPr>
+          <p:cNvPr id="4" name="Título 3"/>
+          <p:cNvSpPr>
+            <a:spLocks noGrp="1"/>
+          </p:cNvSpPr>
+          <p:nvPr>
+            <p:ph type="title"/>
+          </p:nvPr>
+        </p:nvSpPr>
+        <p:spPr>
+          <a:xfrm>
+            <a:off x="684212" y="685800"/>
+            <a:ext cx="8534400" cy="1507067"/>
+          </a:xfrm>
+        </p:spPr>
+        <p:txBody>
+          <a:bodyPr/>
+          <a:lstStyle/>
+          <a:p>
+            <a:r>
+              <a:rPr lang="pt-BR" dirty="0" err="1" smtClean="0"/>
+              <a:t>JQuery</a:t>
+            </a:r>
+            <a:endParaRPr lang="pt-BR" dirty="0"/>
+          </a:p>
+        </p:txBody>
+      </p:sp>
+      <p:sp>
+        <p:nvSpPr>
+          <p:cNvPr id="5" name="Espaço Reservado para Conteúdo 4"/>
+          <p:cNvSpPr>
+            <a:spLocks noGrp="1"/>
+          </p:cNvSpPr>
+          <p:nvPr>
+            <p:ph idx="1"/>
+          </p:nvPr>
+        </p:nvSpPr>
+        <p:spPr>
+          <a:xfrm>
+            <a:off x="684212" y="2753591"/>
+            <a:ext cx="8534400" cy="3615267"/>
+          </a:xfrm>
+        </p:spPr>
+        <p:txBody>
+          <a:bodyPr/>
+          <a:lstStyle/>
+          <a:p>
+            <a:r>
+              <a:rPr lang="pt-BR" dirty="0" smtClean="0"/>
+              <a:t>Tutorial</a:t>
+            </a:r>
+            <a:r>
+              <a:rPr lang="pt-BR" dirty="0"/>
+              <a:t>: </a:t>
+            </a:r>
+            <a:r>
+              <a:rPr lang="pt-BR" dirty="0">
+                <a:hlinkClick r:id="rId2"/>
+              </a:rPr>
+              <a:t>http://www.w3schools.com/jquery</a:t>
+            </a:r>
+            <a:r>
+              <a:rPr lang="pt-BR" dirty="0" smtClean="0">
+                <a:hlinkClick r:id="rId2"/>
+              </a:rPr>
+              <a:t>/</a:t>
+            </a:r>
+            <a:endParaRPr lang="pt-BR" dirty="0" smtClean="0"/>
+          </a:p>
+          <a:p>
+            <a:r>
+              <a:rPr lang="pt-BR" dirty="0" err="1" smtClean="0"/>
+              <a:t>Plugins</a:t>
+            </a:r>
+            <a:r>
+              <a:rPr lang="pt-BR" dirty="0"/>
+              <a:t>: </a:t>
+            </a:r>
+            <a:r>
+              <a:rPr lang="pt-BR" dirty="0" smtClean="0"/>
+              <a:t>http</a:t>
+            </a:r>
+            <a:r>
+              <a:rPr lang="pt-BR" dirty="0"/>
+              <a:t>://plugins.jquery.com/</a:t>
+            </a:r>
+            <a:endParaRPr lang="pt-BR" dirty="0" smtClean="0"/>
+          </a:p>
+          <a:p>
+            <a:r>
+              <a:rPr lang="pt-BR" dirty="0" smtClean="0"/>
+              <a:t>Site </a:t>
+            </a:r>
+            <a:r>
+              <a:rPr lang="pt-BR" dirty="0"/>
+              <a:t>oficial: https://jquery.com/</a:t>
+            </a:r>
+            <a:endParaRPr lang="pt-BR" dirty="0" smtClean="0"/>
+          </a:p>
+          <a:p>
+            <a:pPr marL="0" indent="0">
+              <a:buNone/>
+            </a:pPr>
+            <a:endParaRPr lang="pt-BR" dirty="0" smtClean="0"/>
+          </a:p>
+          <a:p>
+            <a:endParaRPr lang="pt-BR" dirty="0"/>
+          </a:p>
+        </p:txBody>
+      </p:sp>
+    </p:spTree>
+    <p:extLst>
+      <p:ext uri="{BB962C8B-B14F-4D97-AF65-F5344CB8AC3E}">
+        <p14:creationId xmlns:p14="http://schemas.microsoft.com/office/powerpoint/2010/main" val="1784005534"/>
+      </p:ext>
+    </p:extLst>
+  </p:cSld>
+  <p:clrMapOvr>
+    <a:masterClrMapping/>
+  </p:clrMapOvr>
+  <p:timing>
+    <p:tnLst>
+      <p:par>
+        <p:cTn id="1" dur="indefinite" restart="never" nodeType="tmRoot"/>
+      </p:par>
+    </p:tnLst>
+  </p:timing>
+</p:sld>
+</file>
+
+<file path=ppt/slides/slide15.xml><?xml version="1.0" encoding="utf-8"?>
+<p:sld xmlns:a="http://schemas.openxmlformats.org/drawingml/2006/main" xmlns:r="http://schemas.openxmlformats.org/officeDocument/2006/relationships" xmlns:p="http://schemas.openxmlformats.org/presentationml/2006/main">
+  <p:cSld>
+    <p:spTree>
+      <p:nvGrpSpPr>
+        <p:cNvPr id="1" name=""/>
+        <p:cNvGrpSpPr/>
+        <p:nvPr/>
+      </p:nvGrpSpPr>
+      <p:grpSpPr>
+        <a:xfrm>
+          <a:off x="0" y="0"/>
+          <a:ext cx="0" cy="0"/>
+          <a:chOff x="0" y="0"/>
+          <a:chExt cx="0" cy="0"/>
+        </a:xfrm>
+      </p:grpSpPr>
+      <p:sp>
+        <p:nvSpPr>
+          <p:cNvPr id="4" name="Título 3"/>
+          <p:cNvSpPr>
+            <a:spLocks noGrp="1"/>
+          </p:cNvSpPr>
+          <p:nvPr>
+            <p:ph type="title"/>
+          </p:nvPr>
+        </p:nvSpPr>
+        <p:spPr>
+          <a:xfrm>
+            <a:off x="684212" y="685800"/>
+            <a:ext cx="8534400" cy="1507067"/>
+          </a:xfrm>
+        </p:spPr>
+        <p:txBody>
+          <a:bodyPr/>
+          <a:lstStyle/>
+          <a:p>
+            <a:r>
+              <a:rPr lang="pt-BR" dirty="0" err="1" smtClean="0"/>
+              <a:t>SEMantic</a:t>
+            </a:r>
+            <a:r>
+              <a:rPr lang="pt-BR" dirty="0" smtClean="0"/>
+              <a:t>-ui</a:t>
+            </a:r>
+            <a:endParaRPr lang="pt-BR" dirty="0"/>
+          </a:p>
+        </p:txBody>
+      </p:sp>
+      <p:sp>
+        <p:nvSpPr>
+          <p:cNvPr id="5" name="Espaço Reservado para Conteúdo 4"/>
+          <p:cNvSpPr>
+            <a:spLocks noGrp="1"/>
+          </p:cNvSpPr>
+          <p:nvPr>
+            <p:ph idx="1"/>
+          </p:nvPr>
+        </p:nvSpPr>
+        <p:spPr>
+          <a:xfrm>
+            <a:off x="684212" y="2753591"/>
+            <a:ext cx="8534400" cy="3615267"/>
+          </a:xfrm>
+        </p:spPr>
+        <p:txBody>
+          <a:bodyPr/>
+          <a:lstStyle/>
+          <a:p>
+            <a:r>
+              <a:rPr lang="pt-BR" dirty="0" smtClean="0"/>
+              <a:t>Utiliza </a:t>
+            </a:r>
+            <a:r>
+              <a:rPr lang="pt-BR" dirty="0" err="1" smtClean="0"/>
+              <a:t>Jquery</a:t>
+            </a:r>
+            <a:endParaRPr lang="pt-BR" dirty="0" smtClean="0"/>
+          </a:p>
+          <a:p>
+            <a:r>
+              <a:rPr lang="pt-BR" dirty="0">
+                <a:hlinkClick r:id="rId2"/>
+              </a:rPr>
+              <a:t>http://semantic-ui.com/introduction/getting-started.html</a:t>
+            </a:r>
+            <a:endParaRPr lang="pt-BR" dirty="0"/>
+          </a:p>
+          <a:p>
+            <a:endParaRPr lang="pt-BR" dirty="0" smtClean="0"/>
+          </a:p>
+          <a:p>
+            <a:endParaRPr lang="pt-BR" dirty="0"/>
+          </a:p>
+        </p:txBody>
+      </p:sp>
+    </p:spTree>
+    <p:extLst>
+      <p:ext uri="{BB962C8B-B14F-4D97-AF65-F5344CB8AC3E}">
+        <p14:creationId xmlns:p14="http://schemas.microsoft.com/office/powerpoint/2010/main" val="380857669"/>
+      </p:ext>
+    </p:extLst>
+  </p:cSld>
+  <p:clrMapOvr>
+    <a:masterClrMapping/>
+  </p:clrMapOvr>
+  <p:timing>
+    <p:tnLst>
+      <p:par>
+        <p:cTn id="1" dur="indefinite" restart="never" nodeType="tmRoot"/>
+      </p:par>
+    </p:tnLst>
+  </p:timing>
+</p:sld>
+</file>
+
+<file path=ppt/slides/slide16.xml><?xml version="1.0" encoding="utf-8"?>
+<p:sld xmlns:a="http://schemas.openxmlformats.org/drawingml/2006/main" xmlns:r="http://schemas.openxmlformats.org/officeDocument/2006/relationships" xmlns:p="http://schemas.openxmlformats.org/presentationml/2006/main">
+  <p:cSld>
+    <p:spTree>
+      <p:nvGrpSpPr>
+        <p:cNvPr id="1" name=""/>
+        <p:cNvGrpSpPr/>
+        <p:nvPr/>
+      </p:nvGrpSpPr>
+      <p:grpSpPr>
+        <a:xfrm>
+          <a:off x="0" y="0"/>
+          <a:ext cx="0" cy="0"/>
+          <a:chOff x="0" y="0"/>
+          <a:chExt cx="0" cy="0"/>
+        </a:xfrm>
+      </p:grpSpPr>
+      <p:sp>
+        <p:nvSpPr>
+          <p:cNvPr id="4" name="Título 3"/>
+          <p:cNvSpPr>
+            <a:spLocks noGrp="1"/>
+          </p:cNvSpPr>
+          <p:nvPr>
+            <p:ph type="title"/>
+          </p:nvPr>
+        </p:nvSpPr>
+        <p:spPr>
+          <a:xfrm>
+            <a:off x="684212" y="685800"/>
+            <a:ext cx="8534400" cy="1507067"/>
+          </a:xfrm>
+        </p:spPr>
+        <p:txBody>
+          <a:bodyPr/>
+          <a:lstStyle/>
+          <a:p>
+            <a:r>
+              <a:rPr lang="pt-BR" dirty="0" smtClean="0"/>
+              <a:t>Outros Frameworks</a:t>
+            </a:r>
+            <a:endParaRPr lang="pt-BR" dirty="0"/>
+          </a:p>
+        </p:txBody>
+      </p:sp>
+      <p:sp>
+        <p:nvSpPr>
+          <p:cNvPr id="5" name="Espaço Reservado para Conteúdo 4"/>
+          <p:cNvSpPr>
+            <a:spLocks noGrp="1"/>
+          </p:cNvSpPr>
+          <p:nvPr>
+            <p:ph idx="1"/>
+          </p:nvPr>
+        </p:nvSpPr>
+        <p:spPr>
+          <a:xfrm>
+            <a:off x="684212" y="2753591"/>
+            <a:ext cx="8534400" cy="3615267"/>
+          </a:xfrm>
+        </p:spPr>
+        <p:txBody>
+          <a:bodyPr/>
+          <a:lstStyle/>
+          <a:p>
+            <a:r>
+              <a:rPr lang="pt-BR" dirty="0" err="1" smtClean="0"/>
+              <a:t>Bootstrap</a:t>
+            </a:r>
+            <a:r>
+              <a:rPr lang="pt-BR" dirty="0"/>
+              <a:t>: </a:t>
+            </a:r>
+            <a:endParaRPr lang="pt-BR" dirty="0" smtClean="0"/>
+          </a:p>
+          <a:p>
+            <a:pPr lvl="1"/>
+            <a:r>
+              <a:rPr lang="pt-BR" dirty="0" smtClean="0"/>
+              <a:t>Atualmente é o framework mais utilizado no mercado</a:t>
+            </a:r>
+          </a:p>
+          <a:p>
+            <a:pPr lvl="1"/>
+            <a:r>
+              <a:rPr lang="pt-BR" dirty="0" smtClean="0"/>
+              <a:t>Link: </a:t>
+            </a:r>
+            <a:r>
+              <a:rPr lang="pt-BR" dirty="0" smtClean="0">
+                <a:hlinkClick r:id="rId2"/>
+              </a:rPr>
+              <a:t>http</a:t>
+            </a:r>
+            <a:r>
+              <a:rPr lang="pt-BR" dirty="0">
+                <a:hlinkClick r:id="rId2"/>
+              </a:rPr>
+              <a:t>://getbootstrap.com/</a:t>
+            </a:r>
+            <a:endParaRPr lang="pt-BR" dirty="0"/>
+          </a:p>
+          <a:p>
+            <a:endParaRPr lang="pt-BR" dirty="0" smtClean="0"/>
+          </a:p>
+          <a:p>
+            <a:r>
+              <a:rPr lang="pt-BR" dirty="0"/>
+              <a:t>Materialize: </a:t>
+            </a:r>
+            <a:endParaRPr lang="pt-BR" dirty="0" smtClean="0"/>
+          </a:p>
+          <a:p>
+            <a:pPr lvl="1"/>
+            <a:r>
+              <a:rPr lang="pt-BR" dirty="0" smtClean="0"/>
+              <a:t>Desenvolvido pela Google</a:t>
+            </a:r>
+          </a:p>
+          <a:p>
+            <a:pPr lvl="1"/>
+            <a:r>
+              <a:rPr lang="pt-BR" dirty="0" smtClean="0"/>
+              <a:t>Ainda na versão Beta</a:t>
+            </a:r>
+          </a:p>
+          <a:p>
+            <a:pPr lvl="1"/>
+            <a:r>
+              <a:rPr lang="pt-BR" dirty="0" smtClean="0"/>
+              <a:t>Link: http</a:t>
+            </a:r>
+            <a:r>
+              <a:rPr lang="pt-BR" dirty="0"/>
+              <a:t>://materializecss.com/</a:t>
+            </a:r>
+            <a:endParaRPr lang="pt-BR" dirty="0" smtClean="0"/>
+          </a:p>
+          <a:p>
+            <a:endParaRPr lang="pt-BR" dirty="0"/>
+          </a:p>
+        </p:txBody>
+      </p:sp>
+    </p:spTree>
+    <p:extLst>
+      <p:ext uri="{BB962C8B-B14F-4D97-AF65-F5344CB8AC3E}">
+        <p14:creationId xmlns:p14="http://schemas.microsoft.com/office/powerpoint/2010/main" val="2181890202"/>
+      </p:ext>
+    </p:extLst>
+  </p:cSld>
+  <p:clrMapOvr>
+    <a:masterClrMapping/>
+  </p:clrMapOvr>
+  <p:timing>
+    <p:tnLst>
+      <p:par>
+        <p:cTn id="1" dur="indefinite" restart="never" nodeType="tmRoot"/>
+      </p:par>
+    </p:tnLst>
+  </p:timing>
+</p:sld>
+</file>
+
+<file path=ppt/slides/slide2.xml><?xml version="1.0" encoding="utf-8"?>
+<p:sld xmlns:a="http://schemas.openxmlformats.org/drawingml/2006/main" xmlns:r="http://schemas.openxmlformats.org/officeDocument/2006/relationships" xmlns:p="http://schemas.openxmlformats.org/presentationml/2006/main">
+  <p:cSld>
+    <p:spTree>
+      <p:nvGrpSpPr>
+        <p:cNvPr id="1" name=""/>
+        <p:cNvGrpSpPr/>
+        <p:nvPr/>
+      </p:nvGrpSpPr>
+      <p:grpSpPr>
+        <a:xfrm>
+          <a:off x="0" y="0"/>
+          <a:ext cx="0" cy="0"/>
+          <a:chOff x="0" y="0"/>
+          <a:chExt cx="0" cy="0"/>
+        </a:xfrm>
+      </p:grpSpPr>
+      <p:sp>
+        <p:nvSpPr>
+          <p:cNvPr id="4" name="Título 3"/>
+          <p:cNvSpPr>
+            <a:spLocks noGrp="1"/>
+          </p:cNvSpPr>
+          <p:nvPr>
+            <p:ph type="title"/>
+          </p:nvPr>
+        </p:nvSpPr>
+        <p:spPr>
+          <a:xfrm>
+            <a:off x="684212" y="685800"/>
+            <a:ext cx="8534400" cy="1507067"/>
+          </a:xfrm>
+        </p:spPr>
+        <p:txBody>
+          <a:bodyPr/>
+          <a:lstStyle/>
+          <a:p>
+            <a:r>
+              <a:rPr lang="pt-BR" dirty="0" smtClean="0"/>
+              <a:t>Agenda</a:t>
+            </a:r>
+            <a:endParaRPr lang="pt-BR" dirty="0"/>
+          </a:p>
+        </p:txBody>
+      </p:sp>
+      <p:sp>
+        <p:nvSpPr>
+          <p:cNvPr id="5" name="Espaço Reservado para Conteúdo 4"/>
+          <p:cNvSpPr>
+            <a:spLocks noGrp="1"/>
+          </p:cNvSpPr>
+          <p:nvPr>
+            <p:ph idx="1"/>
+          </p:nvPr>
+        </p:nvSpPr>
+        <p:spPr>
+          <a:xfrm>
+            <a:off x="684212" y="2753591"/>
+            <a:ext cx="8534400" cy="3615267"/>
+          </a:xfrm>
+        </p:spPr>
+        <p:txBody>
+          <a:bodyPr/>
+          <a:lstStyle/>
+          <a:p>
+            <a:r>
+              <a:rPr lang="pt-BR" dirty="0" smtClean="0"/>
+              <a:t>Apresentação Matheus</a:t>
+            </a:r>
+          </a:p>
+          <a:p>
+            <a:r>
+              <a:rPr lang="pt-BR" dirty="0" smtClean="0"/>
+              <a:t>Resumo - Desenvolvimento WEB</a:t>
+            </a:r>
+          </a:p>
+          <a:p>
+            <a:r>
+              <a:rPr lang="pt-BR" dirty="0" smtClean="0"/>
+              <a:t>Tecnologias essenciais ao desenvolvimento FRONT-END</a:t>
+            </a:r>
+          </a:p>
+          <a:p>
+            <a:r>
+              <a:rPr lang="pt-BR" dirty="0" err="1" smtClean="0"/>
+              <a:t>Semantic</a:t>
+            </a:r>
+            <a:r>
+              <a:rPr lang="pt-BR" dirty="0" smtClean="0"/>
+              <a:t>-UI</a:t>
+            </a:r>
+          </a:p>
+          <a:p>
+            <a:r>
+              <a:rPr lang="pt-BR" dirty="0" smtClean="0"/>
+              <a:t>Dúvidas</a:t>
+            </a:r>
+          </a:p>
+          <a:p>
+            <a:r>
+              <a:rPr lang="pt-BR" dirty="0" smtClean="0"/>
+              <a:t>Exemplo prático</a:t>
+            </a:r>
+          </a:p>
+          <a:p>
+            <a:endParaRPr lang="pt-BR" dirty="0" smtClean="0"/>
+          </a:p>
+          <a:p>
+            <a:endParaRPr lang="pt-BR" dirty="0"/>
+          </a:p>
+        </p:txBody>
+      </p:sp>
+    </p:spTree>
+    <p:extLst>
+      <p:ext uri="{BB962C8B-B14F-4D97-AF65-F5344CB8AC3E}">
+        <p14:creationId xmlns:p14="http://schemas.microsoft.com/office/powerpoint/2010/main" val="72434541"/>
+      </p:ext>
+    </p:extLst>
+  </p:cSld>
+  <p:clrMapOvr>
+    <a:masterClrMapping/>
+  </p:clrMapOvr>
+  <p:timing>
+    <p:tnLst>
+      <p:par>
+        <p:cTn id="1" dur="indefinite" restart="never" nodeType="tmRoot"/>
+      </p:par>
+    </p:tnLst>
+  </p:timing>
+</p:sld>
+</file>
+
+<file path=ppt/slides/slide3.xml><?xml version="1.0" encoding="utf-8"?>
+<p:sld xmlns:a="http://schemas.openxmlformats.org/drawingml/2006/main" xmlns:r="http://schemas.openxmlformats.org/officeDocument/2006/relationships" xmlns:p="http://schemas.openxmlformats.org/presentationml/2006/main">
+  <p:cSld>
+    <p:spTree>
+      <p:nvGrpSpPr>
+        <p:cNvPr id="1" name=""/>
+        <p:cNvGrpSpPr/>
+        <p:nvPr/>
+      </p:nvGrpSpPr>
+      <p:grpSpPr>
+        <a:xfrm>
+          <a:off x="0" y="0"/>
+          <a:ext cx="0" cy="0"/>
+          <a:chOff x="0" y="0"/>
+          <a:chExt cx="0" cy="0"/>
+        </a:xfrm>
+      </p:grpSpPr>
+      <p:sp>
+        <p:nvSpPr>
+          <p:cNvPr id="4" name="Título 3"/>
+          <p:cNvSpPr>
+            <a:spLocks noGrp="1"/>
+          </p:cNvSpPr>
+          <p:nvPr>
+            <p:ph type="title"/>
+          </p:nvPr>
+        </p:nvSpPr>
+        <p:spPr>
+          <a:xfrm>
+            <a:off x="684212" y="685800"/>
+            <a:ext cx="8534400" cy="1507067"/>
+          </a:xfrm>
+        </p:spPr>
+        <p:txBody>
+          <a:bodyPr/>
+          <a:lstStyle/>
+          <a:p>
+            <a:r>
+              <a:rPr lang="pt-BR" dirty="0" smtClean="0"/>
+              <a:t>Apresentação - Matheus</a:t>
+            </a:r>
+            <a:endParaRPr lang="pt-BR" dirty="0"/>
+          </a:p>
+        </p:txBody>
+      </p:sp>
+      <p:sp>
+        <p:nvSpPr>
+          <p:cNvPr id="5" name="Espaço Reservado para Conteúdo 4"/>
+          <p:cNvSpPr>
+            <a:spLocks noGrp="1"/>
+          </p:cNvSpPr>
+          <p:nvPr>
+            <p:ph idx="1"/>
+          </p:nvPr>
+        </p:nvSpPr>
+        <p:spPr>
+          <a:xfrm>
+            <a:off x="684212" y="2753591"/>
+            <a:ext cx="8534400" cy="3615267"/>
+          </a:xfrm>
+        </p:spPr>
+        <p:txBody>
+          <a:bodyPr/>
+          <a:lstStyle/>
+          <a:p>
+            <a:r>
+              <a:rPr lang="pt-BR" dirty="0" smtClean="0"/>
+              <a:t>Graduado em Engenharia de Software em 2015 – UnB</a:t>
+            </a:r>
+          </a:p>
+          <a:p>
+            <a:r>
+              <a:rPr lang="pt-BR" dirty="0" smtClean="0"/>
+              <a:t>Desenvolvedor Front-</a:t>
+            </a:r>
+            <a:r>
+              <a:rPr lang="pt-BR" dirty="0" err="1" smtClean="0"/>
+              <a:t>End</a:t>
+            </a:r>
+            <a:r>
+              <a:rPr lang="pt-BR" dirty="0" smtClean="0"/>
+              <a:t> desde 2015 atuando com educação à distância na UNA-SUS</a:t>
+            </a:r>
+            <a:endParaRPr lang="pt-BR" dirty="0"/>
+          </a:p>
+        </p:txBody>
+      </p:sp>
+    </p:spTree>
+    <p:extLst>
+      <p:ext uri="{BB962C8B-B14F-4D97-AF65-F5344CB8AC3E}">
+        <p14:creationId xmlns:p14="http://schemas.microsoft.com/office/powerpoint/2010/main" val="589200094"/>
+      </p:ext>
+    </p:extLst>
+  </p:cSld>
+  <p:clrMapOvr>
+    <a:masterClrMapping/>
+  </p:clrMapOvr>
+  <p:timing>
+    <p:tnLst>
+      <p:par>
+        <p:cTn id="1" dur="indefinite" restart="never" nodeType="tmRoot"/>
+      </p:par>
+    </p:tnLst>
+  </p:timing>
+</p:sld>
+</file>
+
+<file path=ppt/slides/slide4.xml><?xml version="1.0" encoding="utf-8"?>
+<p:sld xmlns:a="http://schemas.openxmlformats.org/drawingml/2006/main" xmlns:r="http://schemas.openxmlformats.org/officeDocument/2006/relationships" xmlns:p="http://schemas.openxmlformats.org/presentationml/2006/main">
+  <p:cSld>
+    <p:spTree>
+      <p:nvGrpSpPr>
+        <p:cNvPr id="1" name=""/>
+        <p:cNvGrpSpPr/>
+        <p:nvPr/>
+      </p:nvGrpSpPr>
+      <p:grpSpPr>
+        <a:xfrm>
+          <a:off x="0" y="0"/>
+          <a:ext cx="0" cy="0"/>
+          <a:chOff x="0" y="0"/>
+          <a:chExt cx="0" cy="0"/>
+        </a:xfrm>
+      </p:grpSpPr>
+      <p:sp>
+        <p:nvSpPr>
+          <p:cNvPr id="4" name="Título 3"/>
+          <p:cNvSpPr>
+            <a:spLocks noGrp="1"/>
+          </p:cNvSpPr>
+          <p:nvPr>
+            <p:ph type="title"/>
+          </p:nvPr>
+        </p:nvSpPr>
+        <p:spPr>
+          <a:xfrm>
+            <a:off x="684212" y="685800"/>
+            <a:ext cx="8534400" cy="1507067"/>
+          </a:xfrm>
+        </p:spPr>
+        <p:txBody>
+          <a:bodyPr/>
+          <a:lstStyle/>
+          <a:p>
+            <a:r>
+              <a:rPr lang="pt-BR" dirty="0" smtClean="0"/>
+              <a:t>Desenvolvimento </a:t>
+            </a:r>
+            <a:r>
+              <a:rPr lang="pt-BR" dirty="0" smtClean="0"/>
+              <a:t>web – Hist</a:t>
+            </a:r>
+            <a:r>
+              <a:rPr lang="pt-BR" dirty="0" smtClean="0"/>
+              <a:t>ória</a:t>
+            </a:r>
+            <a:endParaRPr lang="pt-BR" dirty="0"/>
+          </a:p>
+        </p:txBody>
+      </p:sp>
+      <p:sp>
+        <p:nvSpPr>
+          <p:cNvPr id="5" name="Espaço Reservado para Conteúdo 4"/>
+          <p:cNvSpPr>
+            <a:spLocks noGrp="1"/>
+          </p:cNvSpPr>
+          <p:nvPr>
+            <p:ph idx="1"/>
+          </p:nvPr>
+        </p:nvSpPr>
+        <p:spPr>
+          <a:xfrm>
+            <a:off x="684212" y="2753591"/>
+            <a:ext cx="8534400" cy="3615267"/>
+          </a:xfrm>
+        </p:spPr>
+        <p:txBody>
+          <a:bodyPr>
+            <a:normAutofit fontScale="92500" lnSpcReduction="10000"/>
+          </a:bodyPr>
+          <a:lstStyle/>
+          <a:p>
+            <a:r>
+              <a:rPr lang="pt-PT" dirty="0"/>
+              <a:t>Tim </a:t>
+            </a:r>
+            <a:r>
+              <a:rPr lang="pt-PT" dirty="0" smtClean="0"/>
+              <a:t>Berners-Lee</a:t>
+            </a:r>
+          </a:p>
+          <a:p>
+            <a:pPr lvl="1"/>
+            <a:r>
+              <a:rPr lang="pt-PT" dirty="0" smtClean="0"/>
+              <a:t>Criador da </a:t>
+            </a:r>
+            <a:r>
+              <a:rPr lang="pt-BR" dirty="0" smtClean="0"/>
+              <a:t>World </a:t>
+            </a:r>
+            <a:r>
+              <a:rPr lang="pt-BR" dirty="0" err="1" smtClean="0"/>
+              <a:t>Wide</a:t>
+            </a:r>
+            <a:r>
+              <a:rPr lang="pt-BR" dirty="0" smtClean="0"/>
+              <a:t> WEB (</a:t>
+            </a:r>
+            <a:r>
+              <a:rPr lang="pt-BR" dirty="0" err="1" smtClean="0"/>
+              <a:t>www</a:t>
+            </a:r>
+            <a:r>
+              <a:rPr lang="pt-BR" dirty="0" smtClean="0"/>
+              <a:t>) em 1989</a:t>
+            </a:r>
+          </a:p>
+          <a:p>
+            <a:pPr lvl="2"/>
+            <a:r>
+              <a:rPr lang="pt-BR" dirty="0" smtClean="0"/>
+              <a:t>Sistema de documentos hipermídia interligados</a:t>
+            </a:r>
+          </a:p>
+          <a:p>
+            <a:pPr lvl="1"/>
+            <a:r>
+              <a:rPr lang="pt-BR" dirty="0" smtClean="0"/>
+              <a:t>Uniu hipertexto com internet</a:t>
+            </a:r>
+          </a:p>
+          <a:p>
+            <a:pPr lvl="2"/>
+            <a:r>
+              <a:rPr lang="pt-BR" dirty="0" smtClean="0"/>
+              <a:t>HTML </a:t>
+            </a:r>
+            <a:r>
+              <a:rPr lang="pt-BR" dirty="0"/>
+              <a:t>- </a:t>
+            </a:r>
+            <a:r>
+              <a:rPr lang="pt-BR" dirty="0" err="1"/>
+              <a:t>HyperText</a:t>
+            </a:r>
+            <a:r>
+              <a:rPr lang="pt-BR" dirty="0"/>
+              <a:t> </a:t>
+            </a:r>
+            <a:r>
+              <a:rPr lang="pt-BR" dirty="0" err="1"/>
+              <a:t>Markup</a:t>
+            </a:r>
+            <a:r>
+              <a:rPr lang="pt-BR" dirty="0"/>
+              <a:t> </a:t>
+            </a:r>
+            <a:r>
+              <a:rPr lang="pt-BR" dirty="0" err="1"/>
+              <a:t>Language</a:t>
+            </a:r>
+            <a:endParaRPr lang="pt-BR" dirty="0" smtClean="0"/>
+          </a:p>
+          <a:p>
+            <a:pPr lvl="2"/>
+            <a:r>
+              <a:rPr lang="pt-BR" dirty="0" smtClean="0"/>
+              <a:t>HTTP – protocolo de transferência de arquivos cliente-servidor</a:t>
+            </a:r>
+          </a:p>
+          <a:p>
+            <a:pPr lvl="1"/>
+            <a:r>
+              <a:rPr lang="pt-BR" dirty="0" smtClean="0"/>
+              <a:t>Criou seu primeiro site em 1991, ainda no ar</a:t>
+            </a:r>
+          </a:p>
+          <a:p>
+            <a:pPr lvl="2"/>
+            <a:r>
+              <a:rPr lang="pt-BR" dirty="0"/>
+              <a:t>http://info.cern.ch/hypertext/WWW/TheProject.html</a:t>
+            </a:r>
+            <a:endParaRPr lang="pt-BR" dirty="0" smtClean="0"/>
+          </a:p>
+          <a:p>
+            <a:pPr lvl="1"/>
+            <a:r>
+              <a:rPr lang="pt-BR" dirty="0" smtClean="0"/>
+              <a:t>Fundou em  1994 a W3C</a:t>
+            </a:r>
+          </a:p>
+          <a:p>
+            <a:pPr lvl="2"/>
+            <a:r>
+              <a:rPr lang="pt-BR" dirty="0" smtClean="0"/>
+              <a:t>Organização de padronização da web</a:t>
+            </a:r>
+          </a:p>
+          <a:p>
+            <a:pPr lvl="1"/>
+            <a:endParaRPr lang="pt-BR" dirty="0"/>
+          </a:p>
+          <a:p>
+            <a:pPr lvl="1"/>
+            <a:endParaRPr lang="pt-PT" dirty="0"/>
+          </a:p>
+          <a:p>
+            <a:pPr lvl="1"/>
+            <a:endParaRPr lang="pt-BR" dirty="0"/>
+          </a:p>
+        </p:txBody>
+      </p:sp>
+      <p:pic>
+        <p:nvPicPr>
+          <p:cNvPr id="2" name="Imagem 1"/>
+          <p:cNvPicPr>
+            <a:picLocks noChangeAspect="1"/>
+          </p:cNvPicPr>
+          <p:nvPr/>
+        </p:nvPicPr>
+        <p:blipFill>
+          <a:blip r:embed="rId2">
+            <a:extLst>
+              <a:ext uri="{28A0092B-C50C-407E-A947-70E740481C1C}">
+                <a14:useLocalDpi xmlns:a14="http://schemas.microsoft.com/office/drawing/2010/main" val="0"/>
+              </a:ext>
+            </a:extLst>
+          </a:blip>
+          <a:stretch>
+            <a:fillRect/>
+          </a:stretch>
+        </p:blipFill>
+        <p:spPr>
+          <a:xfrm>
+            <a:off x="7928263" y="2753591"/>
+            <a:ext cx="4121727" cy="3091295"/>
+          </a:xfrm>
+          <a:prstGeom prst="rect">
+            <a:avLst/>
+          </a:prstGeom>
+        </p:spPr>
+      </p:pic>
+    </p:spTree>
+    <p:extLst>
+      <p:ext uri="{BB962C8B-B14F-4D97-AF65-F5344CB8AC3E}">
+        <p14:creationId xmlns:p14="http://schemas.microsoft.com/office/powerpoint/2010/main" val="4152010874"/>
+      </p:ext>
+    </p:extLst>
+  </p:cSld>
+  <p:clrMapOvr>
+    <a:masterClrMapping/>
+  </p:clrMapOvr>
+  <p:timing>
+    <p:tnLst>
+      <p:par>
+        <p:cTn id="1" dur="indefinite" restart="never" nodeType="tmRoot"/>
+      </p:par>
+    </p:tnLst>
+  </p:timing>
+</p:sld>
+</file>
+
+<file path=ppt/slides/slide5.xml><?xml version="1.0" encoding="utf-8"?>
+<p:sld xmlns:a="http://schemas.openxmlformats.org/drawingml/2006/main" xmlns:r="http://schemas.openxmlformats.org/officeDocument/2006/relationships" xmlns:p="http://schemas.openxmlformats.org/presentationml/2006/main">
+  <p:cSld>
+    <p:spTree>
+      <p:nvGrpSpPr>
+        <p:cNvPr id="1" name=""/>
+        <p:cNvGrpSpPr/>
+        <p:nvPr/>
+      </p:nvGrpSpPr>
+      <p:grpSpPr>
+        <a:xfrm>
+          <a:off x="0" y="0"/>
+          <a:ext cx="0" cy="0"/>
+          <a:chOff x="0" y="0"/>
+          <a:chExt cx="0" cy="0"/>
+        </a:xfrm>
+      </p:grpSpPr>
+      <p:sp>
+        <p:nvSpPr>
+          <p:cNvPr id="4" name="Título 3"/>
+          <p:cNvSpPr>
+            <a:spLocks noGrp="1"/>
+          </p:cNvSpPr>
+          <p:nvPr>
+            <p:ph type="title"/>
+          </p:nvPr>
+        </p:nvSpPr>
+        <p:spPr>
+          <a:xfrm>
+            <a:off x="684212" y="685800"/>
+            <a:ext cx="8534400" cy="1507067"/>
+          </a:xfrm>
+        </p:spPr>
+        <p:txBody>
+          <a:bodyPr/>
+          <a:lstStyle/>
+          <a:p>
+            <a:r>
+              <a:rPr lang="pt-BR" dirty="0" smtClean="0"/>
+              <a:t>Desenvolvimento </a:t>
+            </a:r>
+            <a:r>
+              <a:rPr lang="pt-BR" dirty="0" smtClean="0"/>
+              <a:t>web – arquitetura</a:t>
+            </a:r>
+            <a:endParaRPr lang="pt-BR" dirty="0"/>
+          </a:p>
+        </p:txBody>
+      </p:sp>
+      <p:sp>
+        <p:nvSpPr>
+          <p:cNvPr id="5" name="Espaço Reservado para Conteúdo 4"/>
+          <p:cNvSpPr>
+            <a:spLocks noGrp="1"/>
+          </p:cNvSpPr>
+          <p:nvPr>
+            <p:ph idx="1"/>
+          </p:nvPr>
+        </p:nvSpPr>
+        <p:spPr>
+          <a:xfrm>
+            <a:off x="684212" y="2753591"/>
+            <a:ext cx="8534400" cy="4021282"/>
+          </a:xfrm>
+        </p:spPr>
+        <p:txBody>
+          <a:bodyPr>
+            <a:normAutofit fontScale="85000" lnSpcReduction="10000"/>
+          </a:bodyPr>
+          <a:lstStyle/>
+          <a:p>
+            <a:endParaRPr lang="pt-BR" dirty="0" smtClean="0"/>
+          </a:p>
+          <a:p>
+            <a:endParaRPr lang="pt-BR" dirty="0" smtClean="0"/>
+          </a:p>
+          <a:p>
+            <a:endParaRPr lang="pt-BR" dirty="0"/>
+          </a:p>
+          <a:p>
+            <a:endParaRPr lang="pt-BR" dirty="0" smtClean="0"/>
+          </a:p>
+          <a:p>
+            <a:endParaRPr lang="pt-BR" dirty="0"/>
+          </a:p>
+          <a:p>
+            <a:endParaRPr lang="pt-BR" dirty="0" smtClean="0"/>
+          </a:p>
+          <a:p>
+            <a:endParaRPr lang="pt-BR" dirty="0"/>
+          </a:p>
+          <a:p>
+            <a:endParaRPr lang="pt-BR" dirty="0" smtClean="0"/>
+          </a:p>
+          <a:p>
+            <a:endParaRPr lang="pt-BR" dirty="0"/>
+          </a:p>
+          <a:p>
+            <a:endParaRPr lang="pt-BR" dirty="0" smtClean="0"/>
+          </a:p>
+          <a:p>
+            <a:pPr marL="0" indent="0" algn="ctr">
+              <a:buNone/>
+            </a:pPr>
+            <a:r>
+              <a:rPr lang="pt-BR" dirty="0" smtClean="0"/>
+              <a:t>Fonte: http</a:t>
+            </a:r>
+            <a:r>
+              <a:rPr lang="pt-BR" dirty="0"/>
+              <a:t>://slideplayer.com.br/slide/3990076/</a:t>
+            </a:r>
+          </a:p>
+          <a:p>
+            <a:pPr lvl="1"/>
+            <a:endParaRPr lang="pt-PT" dirty="0"/>
+          </a:p>
+          <a:p>
+            <a:pPr lvl="1"/>
+            <a:endParaRPr lang="pt-BR" dirty="0"/>
+          </a:p>
+        </p:txBody>
+      </p:sp>
+      <p:pic>
+        <p:nvPicPr>
+          <p:cNvPr id="3" name="Imagem 2"/>
+          <p:cNvPicPr>
+            <a:picLocks noChangeAspect="1"/>
+          </p:cNvPicPr>
+          <p:nvPr/>
+        </p:nvPicPr>
+        <p:blipFill>
+          <a:blip r:embed="rId2">
+            <a:extLst>
+              <a:ext uri="{28A0092B-C50C-407E-A947-70E740481C1C}">
+                <a14:useLocalDpi xmlns:a14="http://schemas.microsoft.com/office/drawing/2010/main" val="0"/>
+              </a:ext>
+            </a:extLst>
+          </a:blip>
+          <a:stretch>
+            <a:fillRect/>
+          </a:stretch>
+        </p:blipFill>
+        <p:spPr>
+          <a:xfrm>
+            <a:off x="2308657" y="2062595"/>
+            <a:ext cx="5285509" cy="3964132"/>
+          </a:xfrm>
+          <a:prstGeom prst="rect">
+            <a:avLst/>
+          </a:prstGeom>
+        </p:spPr>
+      </p:pic>
+    </p:spTree>
+    <p:extLst>
+      <p:ext uri="{BB962C8B-B14F-4D97-AF65-F5344CB8AC3E}">
+        <p14:creationId xmlns:p14="http://schemas.microsoft.com/office/powerpoint/2010/main" val="3222407330"/>
+      </p:ext>
+    </p:extLst>
+  </p:cSld>
+  <p:clrMapOvr>
+    <a:masterClrMapping/>
+  </p:clrMapOvr>
+  <p:timing>
+    <p:tnLst>
+      <p:par>
+        <p:cTn id="1" dur="indefinite" restart="never" nodeType="tmRoot"/>
+      </p:par>
+    </p:tnLst>
+  </p:timing>
+</p:sld>
+</file>
+
+<file path=ppt/slides/slide6.xml><?xml version="1.0" encoding="utf-8"?>
+<p:sld xmlns:a="http://schemas.openxmlformats.org/drawingml/2006/main" xmlns:r="http://schemas.openxmlformats.org/officeDocument/2006/relationships" xmlns:p="http://schemas.openxmlformats.org/presentationml/2006/main">
+  <p:cSld>
+    <p:spTree>
+      <p:nvGrpSpPr>
+        <p:cNvPr id="1" name=""/>
+        <p:cNvGrpSpPr/>
+        <p:nvPr/>
+      </p:nvGrpSpPr>
+      <p:grpSpPr>
+        <a:xfrm>
+          <a:off x="0" y="0"/>
+          <a:ext cx="0" cy="0"/>
+          <a:chOff x="0" y="0"/>
+          <a:chExt cx="0" cy="0"/>
+        </a:xfrm>
+      </p:grpSpPr>
+      <p:sp>
+        <p:nvSpPr>
+          <p:cNvPr id="4" name="Título 3"/>
+          <p:cNvSpPr>
+            <a:spLocks noGrp="1"/>
+          </p:cNvSpPr>
+          <p:nvPr>
+            <p:ph type="title"/>
+          </p:nvPr>
+        </p:nvSpPr>
+        <p:spPr>
+          <a:xfrm>
+            <a:off x="684212" y="685800"/>
+            <a:ext cx="8534400" cy="1507067"/>
+          </a:xfrm>
+        </p:spPr>
+        <p:txBody>
+          <a:bodyPr/>
+          <a:lstStyle/>
+          <a:p>
+            <a:r>
+              <a:rPr lang="pt-BR" dirty="0" smtClean="0"/>
+              <a:t>Desenvolvimento web – Front </a:t>
+            </a:r>
+            <a:r>
+              <a:rPr lang="pt-BR" dirty="0" err="1" smtClean="0"/>
+              <a:t>end</a:t>
+            </a:r>
+            <a:endParaRPr lang="pt-BR" dirty="0"/>
+          </a:p>
+        </p:txBody>
+      </p:sp>
+      <p:sp>
+        <p:nvSpPr>
+          <p:cNvPr id="5" name="Espaço Reservado para Conteúdo 4"/>
+          <p:cNvSpPr>
+            <a:spLocks noGrp="1"/>
+          </p:cNvSpPr>
+          <p:nvPr>
+            <p:ph idx="1"/>
+          </p:nvPr>
+        </p:nvSpPr>
+        <p:spPr>
+          <a:xfrm>
+            <a:off x="684212" y="2753591"/>
+            <a:ext cx="8534400" cy="3615267"/>
+          </a:xfrm>
+        </p:spPr>
+        <p:txBody>
+          <a:bodyPr/>
+          <a:lstStyle/>
+          <a:p>
+            <a:r>
+              <a:rPr lang="pt-BR" dirty="0"/>
+              <a:t>Projeta as interfaces de um </a:t>
+            </a:r>
+            <a:r>
+              <a:rPr lang="pt-BR" dirty="0" err="1" smtClean="0"/>
+              <a:t>web-site</a:t>
+            </a:r>
+            <a:endParaRPr lang="pt-BR" dirty="0" smtClean="0"/>
+          </a:p>
+          <a:p>
+            <a:r>
+              <a:rPr lang="pt-BR" dirty="0" smtClean="0"/>
+              <a:t>Atua na camada “cliente” na arquitetura cliente/servidor</a:t>
+            </a:r>
+            <a:endParaRPr lang="pt-BR" dirty="0" smtClean="0"/>
+          </a:p>
+          <a:p>
+            <a:r>
+              <a:rPr lang="pt-BR" dirty="0" smtClean="0"/>
+              <a:t>Utiliza basicamente as linguagens:</a:t>
+            </a:r>
+          </a:p>
+          <a:p>
+            <a:pPr lvl="1"/>
+            <a:r>
+              <a:rPr lang="pt-BR" dirty="0" smtClean="0"/>
+              <a:t>HTML - </a:t>
+            </a:r>
+            <a:r>
+              <a:rPr lang="pt-BR" dirty="0"/>
+              <a:t>Linguagem de Marcação de Hipertexto</a:t>
+            </a:r>
+            <a:endParaRPr lang="pt-BR" dirty="0" smtClean="0"/>
+          </a:p>
+          <a:p>
+            <a:pPr lvl="1"/>
+            <a:r>
+              <a:rPr lang="pt-BR" dirty="0" smtClean="0"/>
+              <a:t>CSS – Linguagem de folhas de estilo</a:t>
+            </a:r>
+          </a:p>
+          <a:p>
+            <a:pPr lvl="1"/>
+            <a:r>
+              <a:rPr lang="pt-BR" dirty="0" err="1" smtClean="0"/>
+              <a:t>JavaScript</a:t>
+            </a:r>
+            <a:r>
+              <a:rPr lang="pt-BR" dirty="0" smtClean="0"/>
+              <a:t> – Linguagem de programação</a:t>
+            </a:r>
+          </a:p>
+          <a:p>
+            <a:r>
+              <a:rPr lang="pt-BR" dirty="0" smtClean="0"/>
+              <a:t>Seu código é interpretado pelo próprio navegador do usuário, e não pelo servidor</a:t>
+            </a:r>
+            <a:endParaRPr lang="pt-BR" dirty="0"/>
+          </a:p>
+        </p:txBody>
+      </p:sp>
+    </p:spTree>
+    <p:extLst>
+      <p:ext uri="{BB962C8B-B14F-4D97-AF65-F5344CB8AC3E}">
+        <p14:creationId xmlns:p14="http://schemas.microsoft.com/office/powerpoint/2010/main" val="1376429059"/>
       </p:ext>
     </p:extLst>
   </p:cSld>
@@ -6163,7 +7424,7 @@
           <a:p>
             <a:r>
               <a:rPr lang="pt-BR" dirty="0" err="1" smtClean="0"/>
-              <a:t>JQuery</a:t>
+              <a:t>html</a:t>
             </a:r>
             <a:endParaRPr lang="pt-BR" dirty="0"/>
           </a:p>
@@ -6191,63 +7452,65 @@
           <a:p>
             <a:r>
               <a:rPr lang="pt-BR" dirty="0" smtClean="0"/>
-              <a:t>Tutorial</a:t>
-            </a:r>
-            <a:r>
-              <a:rPr lang="pt-BR" dirty="0"/>
-              <a:t>: </a:t>
-            </a:r>
-            <a:r>
-              <a:rPr lang="pt-BR" dirty="0">
-                <a:hlinkClick r:id="rId2"/>
-              </a:rPr>
-              <a:t>http://www.w3schools.com/jquery</a:t>
-            </a:r>
-            <a:r>
-              <a:rPr lang="pt-BR" dirty="0" smtClean="0">
-                <a:hlinkClick r:id="rId2"/>
-              </a:rPr>
-              <a:t>/</a:t>
-            </a:r>
-            <a:endParaRPr lang="pt-BR" dirty="0" smtClean="0"/>
-          </a:p>
-          <a:p>
+              <a:t>Estruturação do conteúdo para a World </a:t>
+            </a:r>
             <a:r>
               <a:rPr lang="pt-BR" dirty="0" err="1" smtClean="0"/>
-              <a:t>Plugins</a:t>
-            </a:r>
-            <a:r>
-              <a:rPr lang="pt-BR" dirty="0"/>
-              <a:t>: </a:t>
+              <a:t>Wide</a:t>
             </a:r>
             <a:r>
               <a:rPr lang="pt-BR" dirty="0" smtClean="0"/>
-              <a:t>http</a:t>
-            </a:r>
-            <a:r>
-              <a:rPr lang="pt-BR" dirty="0"/>
-              <a:t>://plugins.jquery.com/</a:t>
-            </a:r>
-            <a:endParaRPr lang="pt-BR" dirty="0" smtClean="0"/>
+              <a:t> Web</a:t>
+            </a:r>
           </a:p>
           <a:p>
             <a:r>
               <a:rPr lang="pt-BR" dirty="0" smtClean="0"/>
-              <a:t>Site </a:t>
-            </a:r>
-            <a:r>
-              <a:rPr lang="pt-BR" dirty="0"/>
-              <a:t>oficial: https://jquery.com/</a:t>
-            </a:r>
-            <a:endParaRPr lang="pt-BR" dirty="0" smtClean="0"/>
-          </a:p>
-          <a:p>
-            <a:pPr marL="0" indent="0">
-              <a:buNone/>
-            </a:pPr>
-            <a:endParaRPr lang="pt-BR" dirty="0" smtClean="0"/>
-          </a:p>
-          <a:p>
+              <a:t>Comandos definidos por </a:t>
+            </a:r>
+            <a:r>
+              <a:rPr lang="pt-BR" dirty="0" err="1" smtClean="0"/>
+              <a:t>marcardores</a:t>
+            </a:r>
+            <a:r>
+              <a:rPr lang="pt-BR" dirty="0" smtClean="0"/>
+              <a:t>(</a:t>
+            </a:r>
+            <a:r>
+              <a:rPr lang="pt-BR" dirty="0" err="1" smtClean="0"/>
+              <a:t>tags</a:t>
+            </a:r>
+            <a:r>
+              <a:rPr lang="pt-BR" dirty="0" smtClean="0"/>
+              <a:t>)	</a:t>
+            </a:r>
+          </a:p>
+          <a:p>
+            <a:pPr lvl="1"/>
+            <a:r>
+              <a:rPr lang="pt-BR" dirty="0" smtClean="0"/>
+              <a:t>Exemplo: &lt;p&gt; oi! &lt;/p&gt;</a:t>
+            </a:r>
+          </a:p>
+          <a:p>
+            <a:r>
+              <a:rPr lang="pt-BR" dirty="0" smtClean="0"/>
+              <a:t>Atualmente na quinta versão</a:t>
+            </a:r>
+          </a:p>
+          <a:p>
+            <a:pPr lvl="1"/>
+            <a:r>
+              <a:rPr lang="pt-BR" dirty="0" smtClean="0"/>
+              <a:t>Novos recursos como vídeo e áudio</a:t>
+            </a:r>
+          </a:p>
+          <a:p>
+            <a:pPr lvl="1"/>
+            <a:r>
+              <a:rPr lang="pt-BR" dirty="0" smtClean="0"/>
+              <a:t>Enriquecimento do conteúdo semântico do documento</a:t>
+            </a:r>
             <a:endParaRPr lang="pt-BR" dirty="0"/>
           </a:p>
         </p:txBody>
@@ -6255,7 +7518,7 @@
     </p:spTree>
     <p:extLst>
       <p:ext uri="{BB962C8B-B14F-4D97-AF65-F5344CB8AC3E}">
-        <p14:creationId xmlns:p14="http://schemas.microsoft.com/office/powerpoint/2010/main" val="1784005534"/>
+        <p14:creationId xmlns:p14="http://schemas.microsoft.com/office/powerpoint/2010/main" val="3699235391"/>
       </p:ext>
     </p:extLst>
   </p:cSld>
@@ -6311,11 +7574,7 @@
           <a:p>
             <a:r>
               <a:rPr lang="pt-BR" dirty="0" err="1" smtClean="0"/>
-              <a:t>SEMantic</a:t>
-            </a:r>
-            <a:r>
-              <a:rPr lang="pt-BR" dirty="0" smtClean="0"/>
-              <a:t>-ui</a:t>
+              <a:t>css</a:t>
             </a:r>
             <a:endParaRPr lang="pt-BR" dirty="0"/>
           </a:p>
@@ -6338,40 +7597,117 @@
           </a:xfrm>
         </p:spPr>
         <p:txBody>
-          <a:bodyPr/>
-          <a:lstStyle/>
+          <a:bodyPr>
+            <a:normAutofit fontScale="77500" lnSpcReduction="20000"/>
+          </a:bodyPr>
+          <a:lstStyle/>
+          <a:p>
+            <a:endParaRPr lang="pt-BR" dirty="0" smtClean="0"/>
+          </a:p>
+          <a:p>
+            <a:endParaRPr lang="pt-BR" dirty="0"/>
+          </a:p>
           <a:p>
             <a:r>
               <a:rPr lang="pt-BR" dirty="0" smtClean="0"/>
-              <a:t>Utiliza </a:t>
-            </a:r>
-            <a:r>
-              <a:rPr lang="pt-BR" dirty="0" err="1" smtClean="0"/>
-              <a:t>Jquery</a:t>
-            </a:r>
+              <a:t>Define o estilo das propriedades visuais do elemento</a:t>
+            </a:r>
+          </a:p>
+          <a:p>
+            <a:pPr marL="0" indent="0">
+              <a:buNone/>
+            </a:pPr>
             <a:endParaRPr lang="pt-BR" dirty="0" smtClean="0"/>
           </a:p>
           <a:p>
-            <a:r>
-              <a:rPr lang="pt-BR" dirty="0">
-                <a:hlinkClick r:id="rId2"/>
-              </a:rPr>
-              <a:t>http://semantic-ui.com/introduction/getting-started.html</a:t>
-            </a:r>
+            <a:pPr marL="0" indent="0">
+              <a:buNone/>
+            </a:pPr>
             <a:endParaRPr lang="pt-BR" dirty="0"/>
           </a:p>
           <a:p>
+            <a:pPr marL="0" indent="0">
+              <a:buNone/>
+            </a:pPr>
             <a:endParaRPr lang="pt-BR" dirty="0" smtClean="0"/>
           </a:p>
           <a:p>
+            <a:pPr marL="0" indent="0">
+              <a:buNone/>
+            </a:pPr>
             <a:endParaRPr lang="pt-BR" dirty="0"/>
           </a:p>
-        </p:txBody>
-      </p:sp>
+          <a:p>
+            <a:pPr marL="0" indent="0">
+              <a:buNone/>
+            </a:pPr>
+            <a:endParaRPr lang="pt-BR" dirty="0" smtClean="0"/>
+          </a:p>
+          <a:p>
+            <a:pPr marL="0" indent="0">
+              <a:buNone/>
+            </a:pPr>
+            <a:endParaRPr lang="pt-BR" dirty="0" smtClean="0"/>
+          </a:p>
+          <a:p>
+            <a:pPr marL="0" indent="0">
+              <a:buNone/>
+            </a:pPr>
+            <a:endParaRPr lang="pt-BR" dirty="0"/>
+          </a:p>
+          <a:p>
+            <a:pPr marL="0" indent="0" algn="ctr">
+              <a:buNone/>
+            </a:pPr>
+            <a:r>
+              <a:rPr lang="pt-BR" dirty="0" smtClean="0"/>
+              <a:t>Fonte</a:t>
+            </a:r>
+            <a:r>
+              <a:rPr lang="pt-BR" dirty="0"/>
+              <a:t>: http://diythemes.com/thesis/css-specificity-thesis/</a:t>
+            </a:r>
+            <a:endParaRPr lang="pt-BR" dirty="0" smtClean="0"/>
+          </a:p>
+          <a:p>
+            <a:endParaRPr lang="pt-BR" dirty="0"/>
+          </a:p>
+        </p:txBody>
+      </p:sp>
+      <p:pic>
+        <p:nvPicPr>
+          <p:cNvPr id="3" name="Imagem 2"/>
+          <p:cNvPicPr>
+            <a:picLocks noChangeAspect="1"/>
+          </p:cNvPicPr>
+          <p:nvPr/>
+        </p:nvPicPr>
+        <p:blipFill>
+          <a:blip r:embed="rId2">
+            <a:extLst>
+              <a:ext uri="{28A0092B-C50C-407E-A947-70E740481C1C}">
+                <a14:useLocalDpi xmlns:a14="http://schemas.microsoft.com/office/drawing/2010/main" val="0"/>
+              </a:ext>
+            </a:extLst>
+          </a:blip>
+          <a:stretch>
+            <a:fillRect/>
+          </a:stretch>
+        </p:blipFill>
+        <p:spPr>
+          <a:xfrm>
+            <a:off x="2225530" y="4068954"/>
+            <a:ext cx="5638800" cy="1628775"/>
+          </a:xfrm>
+          <a:prstGeom prst="rect">
+            <a:avLst/>
+          </a:prstGeom>
+        </p:spPr>
+      </p:pic>
     </p:spTree>
     <p:extLst>
       <p:ext uri="{BB962C8B-B14F-4D97-AF65-F5344CB8AC3E}">
-        <p14:creationId xmlns:p14="http://schemas.microsoft.com/office/powerpoint/2010/main" val="380857669"/>
+        <p14:creationId xmlns:p14="http://schemas.microsoft.com/office/powerpoint/2010/main" val="3224337557"/>
       </p:ext>
     </p:extLst>
   </p:cSld>
@@ -6426,8 +7762,8 @@
           <a:lstStyle/>
           <a:p>
             <a:r>
-              <a:rPr lang="pt-BR" dirty="0" smtClean="0"/>
-              <a:t>Outros Frameworks</a:t>
+              <a:rPr lang="pt-BR" dirty="0" err="1" smtClean="0"/>
+              <a:t>javascript</a:t>
             </a:r>
             <a:endParaRPr lang="pt-BR" dirty="0"/>
           </a:p>
@@ -6454,87 +7790,100 @@
           <a:lstStyle/>
           <a:p>
             <a:r>
+              <a:rPr lang="pt-BR" dirty="0" smtClean="0"/>
+              <a:t>Linguagem de programação executad</a:t>
+            </a:r>
+            <a:r>
+              <a:rPr lang="pt-BR" dirty="0" smtClean="0"/>
+              <a:t>a no </a:t>
+            </a:r>
+            <a:r>
               <a:rPr lang="pt-BR" dirty="0" err="1" smtClean="0"/>
-              <a:t>Bootstrap</a:t>
-            </a:r>
-            <a:r>
-              <a:rPr lang="pt-BR" dirty="0"/>
-              <a:t>: </a:t>
+              <a:t>client-side</a:t>
             </a:r>
             <a:endParaRPr lang="pt-BR" dirty="0" smtClean="0"/>
           </a:p>
           <a:p>
-            <a:pPr lvl="1"/>
             <a:r>
               <a:rPr lang="pt-BR" dirty="0" smtClean="0"/>
-              <a:t>Atualmente é o framework mais utilizado no mercado</a:t>
-            </a:r>
-          </a:p>
-          <a:p>
-            <a:pPr lvl="1"/>
+              <a:t>Criada por </a:t>
+            </a:r>
+            <a:r>
+              <a:rPr lang="pt-PT" dirty="0"/>
+              <a:t>Brendan </a:t>
+            </a:r>
+            <a:r>
+              <a:rPr lang="pt-PT" dirty="0" smtClean="0"/>
+              <a:t>Eich em 1995 para o navegador Netscape</a:t>
+            </a:r>
+            <a:endParaRPr lang="pt-BR" dirty="0" smtClean="0"/>
+          </a:p>
+          <a:p>
             <a:r>
               <a:rPr lang="pt-BR" dirty="0" smtClean="0"/>
-              <a:t>Link: </a:t>
-            </a:r>
-            <a:r>
-              <a:rPr lang="pt-BR" dirty="0" smtClean="0">
-                <a:hlinkClick r:id="rId2"/>
-              </a:rPr>
-              <a:t>http</a:t>
-            </a:r>
-            <a:r>
-              <a:rPr lang="pt-BR" dirty="0">
-                <a:hlinkClick r:id="rId2"/>
-              </a:rPr>
-              <a:t>://getbootstrap.com/</a:t>
-            </a:r>
+              <a:t>Interpretada pelo próprio navegador</a:t>
+            </a:r>
+          </a:p>
+          <a:p>
             <a:endParaRPr lang="pt-BR" dirty="0"/>
           </a:p>
           <a:p>
             <a:endParaRPr lang="pt-BR" dirty="0" smtClean="0"/>
           </a:p>
           <a:p>
-            <a:r>
-              <a:rPr lang="pt-BR" dirty="0"/>
-              <a:t>Materialize: </a:t>
-            </a:r>
+            <a:endParaRPr lang="pt-BR" dirty="0"/>
+          </a:p>
+          <a:p>
+            <a:pPr marL="0" indent="0">
+              <a:buNone/>
+            </a:pPr>
             <a:endParaRPr lang="pt-BR" dirty="0" smtClean="0"/>
           </a:p>
           <a:p>
-            <a:pPr lvl="1"/>
-            <a:r>
-              <a:rPr lang="pt-BR" dirty="0" smtClean="0"/>
-              <a:t>Desenvolvido pela Google</a:t>
-            </a:r>
-          </a:p>
-          <a:p>
-            <a:pPr lvl="1"/>
-            <a:r>
-              <a:rPr lang="pt-BR" dirty="0" smtClean="0"/>
-              <a:t>Ainda na versão Beta</a:t>
-            </a:r>
-          </a:p>
-          <a:p>
-            <a:pPr lvl="1"/>
-            <a:r>
-              <a:rPr lang="pt-BR" dirty="0" smtClean="0"/>
-              <a:t>Link: http</a:t>
-            </a:r>
-            <a:r>
-              <a:rPr lang="pt-BR" dirty="0"/>
-              <a:t>://materializecss.com/</a:t>
-            </a:r>
-            <a:endParaRPr lang="pt-BR" dirty="0" smtClean="0"/>
-          </a:p>
-          <a:p>
             <a:endParaRPr lang="pt-BR" dirty="0"/>
           </a:p>
-        </p:txBody>
-      </p:sp>
+          <a:p>
+            <a:pPr marL="0" indent="0">
+              <a:buNone/>
+            </a:pPr>
+            <a:endParaRPr lang="pt-BR" dirty="0"/>
+          </a:p>
+        </p:txBody>
+      </p:sp>
+      <p:pic>
+        <p:nvPicPr>
+          <p:cNvPr id="2" name="Imagem 1"/>
+          <p:cNvPicPr>
+            <a:picLocks noChangeAspect="1"/>
+          </p:cNvPicPr>
+          <p:nvPr/>
+        </p:nvPicPr>
+        <p:blipFill>
+          <a:blip r:embed="rId2">
+            <a:extLst>
+              <a:ext uri="{28A0092B-C50C-407E-A947-70E740481C1C}">
+                <a14:useLocalDpi xmlns:a14="http://schemas.microsoft.com/office/drawing/2010/main" val="0"/>
+              </a:ext>
+            </a:extLst>
+          </a:blip>
+          <a:stretch>
+            <a:fillRect/>
+          </a:stretch>
+        </p:blipFill>
+        <p:spPr>
+          <a:xfrm>
+            <a:off x="3152523" y="4018527"/>
+            <a:ext cx="4116852" cy="2548527"/>
+          </a:xfrm>
+          <a:prstGeom prst="rect">
+            <a:avLst/>
+          </a:prstGeom>
+        </p:spPr>
+      </p:pic>
     </p:spTree>
     <p:extLst>
       <p:ext uri="{BB962C8B-B14F-4D97-AF65-F5344CB8AC3E}">
-        <p14:creationId xmlns:p14="http://schemas.microsoft.com/office/powerpoint/2010/main" val="2181890202"/>
+        <p14:creationId xmlns:p14="http://schemas.microsoft.com/office/powerpoint/2010/main" val="988968681"/>
       </p:ext>
     </p:extLst>
   </p:cSld>

--- a/front-end.pptx
+++ b/front-end.pptx
@@ -5696,7 +5696,6 @@
               <a:rPr lang="pt-BR" dirty="0" smtClean="0"/>
               <a:t>Garrett em 2005</a:t>
             </a:r>
-            <a:endParaRPr lang="pt-BR" dirty="0" smtClean="0"/>
           </a:p>
           <a:p>
             <a:r>
@@ -6627,7 +6626,9 @@
           </a:xfrm>
         </p:spPr>
         <p:txBody>
-          <a:bodyPr/>
+          <a:bodyPr>
+            <a:normAutofit fontScale="92500" lnSpcReduction="10000"/>
+          </a:bodyPr>
           <a:lstStyle/>
           <a:p>
             <a:r>
@@ -6638,14 +6639,46 @@
           <a:p>
             <a:r>
               <a:rPr lang="pt-BR" dirty="0" smtClean="0"/>
-              <a:t>Resumo - Desenvolvimento WEB</a:t>
-            </a:r>
-          </a:p>
-          <a:p>
+              <a:t>Desenvolvimento WEB – História</a:t>
+            </a:r>
+          </a:p>
+          <a:p>
+            <a:r>
+              <a:rPr lang="pt-BR" dirty="0"/>
+              <a:t>Desenvolvimento WEB – </a:t>
+            </a:r>
             <a:r>
               <a:rPr lang="pt-BR" dirty="0" smtClean="0"/>
-              <a:t>Tecnologias essenciais ao desenvolvimento FRONT-END</a:t>
-            </a:r>
+              <a:t>Arquitetura</a:t>
+            </a:r>
+          </a:p>
+          <a:p>
+            <a:r>
+              <a:rPr lang="pt-BR" dirty="0" smtClean="0"/>
+              <a:t>Desenvolvimento WEB – Front </a:t>
+            </a:r>
+            <a:r>
+              <a:rPr lang="pt-BR" dirty="0" err="1" smtClean="0"/>
+              <a:t>End</a:t>
+            </a:r>
+            <a:endParaRPr lang="pt-BR" dirty="0" smtClean="0"/>
+          </a:p>
+          <a:p>
+            <a:r>
+              <a:rPr lang="pt-BR" dirty="0" smtClean="0"/>
+              <a:t>Tecnologias essenciais ao desenvolvimento </a:t>
+            </a:r>
+            <a:r>
+              <a:rPr lang="pt-BR" dirty="0" smtClean="0"/>
+              <a:t>FRONT-END</a:t>
+            </a:r>
+          </a:p>
+          <a:p>
+            <a:r>
+              <a:rPr lang="pt-BR" dirty="0" err="1" smtClean="0"/>
+              <a:t>Jquery</a:t>
+            </a:r>
+            <a:endParaRPr lang="pt-BR" dirty="0" smtClean="0"/>
           </a:p>
           <a:p>
             <a:r>
@@ -6843,15 +6876,7 @@
           <a:p>
             <a:r>
               <a:rPr lang="pt-BR" dirty="0" smtClean="0"/>
-              <a:t>Desenvolvimento </a:t>
-            </a:r>
-            <a:r>
-              <a:rPr lang="pt-BR" dirty="0" smtClean="0"/>
-              <a:t>web – Hist</a:t>
-            </a:r>
-            <a:r>
-              <a:rPr lang="pt-BR" dirty="0" smtClean="0"/>
-              <a:t>ória</a:t>
+              <a:t>Desenvolvimento web – História</a:t>
             </a:r>
             <a:endParaRPr lang="pt-BR" dirty="0"/>
           </a:p>
@@ -7100,11 +7125,7 @@
           <a:p>
             <a:r>
               <a:rPr lang="pt-BR" dirty="0" smtClean="0"/>
-              <a:t>Desenvolvimento </a:t>
-            </a:r>
-            <a:r>
-              <a:rPr lang="pt-BR" dirty="0" smtClean="0"/>
-              <a:t>web – arquitetura</a:t>
+              <a:t>Desenvolvimento web – arquitetura</a:t>
             </a:r>
             <a:endParaRPr lang="pt-BR" dirty="0"/>
           </a:p>
@@ -7318,7 +7339,6 @@
               <a:rPr lang="pt-BR" dirty="0" smtClean="0"/>
               <a:t>Atua na camada “cliente” na arquitetura cliente/servidor</a:t>
             </a:r>
-            <a:endParaRPr lang="pt-BR" dirty="0" smtClean="0"/>
           </a:p>
           <a:p>
             <a:r>
@@ -7791,11 +7811,7 @@
           <a:p>
             <a:r>
               <a:rPr lang="pt-BR" dirty="0" smtClean="0"/>
-              <a:t>Linguagem de programação executad</a:t>
-            </a:r>
-            <a:r>
-              <a:rPr lang="pt-BR" dirty="0" smtClean="0"/>
-              <a:t>a no </a:t>
+              <a:t>Linguagem de programação executada no </a:t>
             </a:r>
             <a:r>
               <a:rPr lang="pt-BR" dirty="0" err="1" smtClean="0"/>

--- a/front-end.pptx
+++ b/front-end.pptx
@@ -18,9 +18,10 @@
     <p:sldId id="265" r:id="rId12"/>
     <p:sldId id="260" r:id="rId13"/>
     <p:sldId id="271" r:id="rId14"/>
-    <p:sldId id="262" r:id="rId15"/>
-    <p:sldId id="264" r:id="rId16"/>
-    <p:sldId id="261" r:id="rId17"/>
+    <p:sldId id="264" r:id="rId15"/>
+    <p:sldId id="261" r:id="rId16"/>
+    <p:sldId id="274" r:id="rId17"/>
+    <p:sldId id="273" r:id="rId18"/>
   </p:sldIdLst>
   <p:sldSz cx="12192000" cy="6858000"/>
   <p:notesSz cx="6858000" cy="9144000"/>
@@ -5831,9 +5832,28 @@
               <a:t>Possui vasta quantidade de </a:t>
             </a:r>
             <a:r>
-              <a:rPr lang="pt-BR" dirty="0" err="1" smtClean="0"/>
-              <a:t>plugins</a:t>
-            </a:r>
+              <a:rPr lang="pt-BR" dirty="0" smtClean="0"/>
+              <a:t>plug-ins</a:t>
+            </a:r>
+          </a:p>
+          <a:p>
+            <a:pPr lvl="1"/>
+            <a:r>
+              <a:rPr lang="pt-BR" dirty="0" smtClean="0"/>
+              <a:t>http</a:t>
+            </a:r>
+            <a:r>
+              <a:rPr lang="pt-BR" dirty="0"/>
+              <a:t>://plugins.jquery.com/</a:t>
+            </a:r>
+          </a:p>
+          <a:p>
+            <a:r>
+              <a:rPr lang="pt-BR" dirty="0"/>
+              <a:t>Site oficial: https://jquery.com/</a:t>
+            </a:r>
+          </a:p>
+          <a:p>
             <a:endParaRPr lang="pt-BR" dirty="0" smtClean="0"/>
           </a:p>
           <a:p>
@@ -6176,7 +6196,11 @@
           <a:p>
             <a:r>
               <a:rPr lang="pt-BR" dirty="0" err="1" smtClean="0"/>
-              <a:t>JQuery</a:t>
+              <a:t>SEMantic</a:t>
+            </a:r>
+            <a:r>
+              <a:rPr lang="pt-BR" dirty="0" smtClean="0"/>
+              <a:t>-ui</a:t>
             </a:r>
             <a:endParaRPr lang="pt-BR" dirty="0"/>
           </a:p>
@@ -6204,60 +6228,24 @@
           <a:p>
             <a:r>
               <a:rPr lang="pt-BR" dirty="0" smtClean="0"/>
-              <a:t>Tutorial</a:t>
-            </a:r>
-            <a:r>
-              <a:rPr lang="pt-BR" dirty="0"/>
-              <a:t>: </a:t>
-            </a:r>
+              <a:t>Utiliza </a:t>
+            </a:r>
+            <a:r>
+              <a:rPr lang="pt-BR" dirty="0" err="1" smtClean="0"/>
+              <a:t>Jquery</a:t>
+            </a:r>
+            <a:endParaRPr lang="pt-BR" dirty="0" smtClean="0"/>
+          </a:p>
+          <a:p>
             <a:r>
               <a:rPr lang="pt-BR" dirty="0">
                 <a:hlinkClick r:id="rId2"/>
               </a:rPr>
-              <a:t>http://www.w3schools.com/jquery</a:t>
-            </a:r>
-            <a:r>
-              <a:rPr lang="pt-BR" dirty="0" smtClean="0">
-                <a:hlinkClick r:id="rId2"/>
-              </a:rPr>
-              <a:t>/</a:t>
-            </a:r>
-            <a:endParaRPr lang="pt-BR" dirty="0" smtClean="0"/>
-          </a:p>
-          <a:p>
-            <a:r>
-              <a:rPr lang="pt-BR" dirty="0" err="1" smtClean="0"/>
-              <a:t>Plugins</a:t>
-            </a:r>
-            <a:r>
-              <a:rPr lang="pt-BR" dirty="0"/>
-              <a:t>: </a:t>
-            </a:r>
-            <a:r>
-              <a:rPr lang="pt-BR" dirty="0" smtClean="0"/>
-              <a:t>http</a:t>
-            </a:r>
-            <a:r>
-              <a:rPr lang="pt-BR" dirty="0"/>
-              <a:t>://plugins.jquery.com/</a:t>
-            </a:r>
-            <a:endParaRPr lang="pt-BR" dirty="0" smtClean="0"/>
-          </a:p>
-          <a:p>
-            <a:r>
-              <a:rPr lang="pt-BR" dirty="0" smtClean="0"/>
-              <a:t>Site </a:t>
-            </a:r>
-            <a:r>
-              <a:rPr lang="pt-BR" dirty="0"/>
-              <a:t>oficial: https://jquery.com/</a:t>
-            </a:r>
-            <a:endParaRPr lang="pt-BR" dirty="0" smtClean="0"/>
-          </a:p>
-          <a:p>
-            <a:pPr marL="0" indent="0">
-              <a:buNone/>
-            </a:pPr>
+              <a:t>http://semantic-ui.com/introduction/getting-started.html</a:t>
+            </a:r>
+            <a:endParaRPr lang="pt-BR" dirty="0"/>
+          </a:p>
+          <a:p>
             <a:endParaRPr lang="pt-BR" dirty="0" smtClean="0"/>
           </a:p>
           <a:p>
@@ -6268,7 +6256,7 @@
     </p:spTree>
     <p:extLst>
       <p:ext uri="{BB962C8B-B14F-4D97-AF65-F5344CB8AC3E}">
-        <p14:creationId xmlns:p14="http://schemas.microsoft.com/office/powerpoint/2010/main" val="1784005534"/>
+        <p14:creationId xmlns:p14="http://schemas.microsoft.com/office/powerpoint/2010/main" val="380857669"/>
       </p:ext>
     </p:extLst>
   </p:cSld>
@@ -6323,12 +6311,8 @@
           <a:lstStyle/>
           <a:p>
             <a:r>
-              <a:rPr lang="pt-BR" dirty="0" err="1" smtClean="0"/>
-              <a:t>SEMantic</a:t>
-            </a:r>
-            <a:r>
               <a:rPr lang="pt-BR" dirty="0" smtClean="0"/>
-              <a:t>-ui</a:t>
+              <a:t>Outros Frameworks</a:t>
             </a:r>
             <a:endParaRPr lang="pt-BR" dirty="0"/>
           </a:p>
@@ -6355,25 +6339,76 @@
           <a:lstStyle/>
           <a:p>
             <a:r>
+              <a:rPr lang="pt-BR" dirty="0" err="1" smtClean="0"/>
+              <a:t>Bootstrap</a:t>
+            </a:r>
+            <a:r>
+              <a:rPr lang="pt-BR" dirty="0"/>
+              <a:t>: </a:t>
+            </a:r>
+            <a:endParaRPr lang="pt-BR" dirty="0" smtClean="0"/>
+          </a:p>
+          <a:p>
+            <a:pPr lvl="1"/>
+            <a:r>
               <a:rPr lang="pt-BR" dirty="0" smtClean="0"/>
-              <a:t>Utiliza </a:t>
-            </a:r>
-            <a:r>
-              <a:rPr lang="pt-BR" dirty="0" err="1" smtClean="0"/>
-              <a:t>Jquery</a:t>
-            </a:r>
-            <a:endParaRPr lang="pt-BR" dirty="0" smtClean="0"/>
-          </a:p>
-          <a:p>
+              <a:t>Atualmente é o framework mais utilizado no mercado</a:t>
+            </a:r>
+          </a:p>
+          <a:p>
+            <a:pPr lvl="1"/>
+            <a:r>
+              <a:rPr lang="pt-BR" dirty="0" smtClean="0"/>
+              <a:t>Link: </a:t>
+            </a:r>
+            <a:r>
+              <a:rPr lang="pt-BR" dirty="0" smtClean="0">
+                <a:hlinkClick r:id="rId2"/>
+              </a:rPr>
+              <a:t>http</a:t>
+            </a:r>
             <a:r>
               <a:rPr lang="pt-BR" dirty="0">
                 <a:hlinkClick r:id="rId2"/>
               </a:rPr>
-              <a:t>http://semantic-ui.com/introduction/getting-started.html</a:t>
+              <a:t>://getbootstrap.com/</a:t>
             </a:r>
             <a:endParaRPr lang="pt-BR" dirty="0"/>
           </a:p>
           <a:p>
+            <a:endParaRPr lang="pt-BR" dirty="0" smtClean="0"/>
+          </a:p>
+          <a:p>
+            <a:r>
+              <a:rPr lang="pt-BR" dirty="0"/>
+              <a:t>Materialize: </a:t>
+            </a:r>
+            <a:endParaRPr lang="pt-BR" dirty="0" smtClean="0"/>
+          </a:p>
+          <a:p>
+            <a:pPr lvl="1"/>
+            <a:r>
+              <a:rPr lang="pt-BR" dirty="0" smtClean="0"/>
+              <a:t>Desenvolvido pela Google</a:t>
+            </a:r>
+          </a:p>
+          <a:p>
+            <a:pPr lvl="1"/>
+            <a:r>
+              <a:rPr lang="pt-BR" dirty="0" smtClean="0"/>
+              <a:t>Ainda na versão Beta</a:t>
+            </a:r>
+          </a:p>
+          <a:p>
+            <a:pPr lvl="1"/>
+            <a:r>
+              <a:rPr lang="pt-BR" dirty="0" smtClean="0"/>
+              <a:t>Link: http</a:t>
+            </a:r>
+            <a:r>
+              <a:rPr lang="pt-BR" dirty="0"/>
+              <a:t>://materializecss.com/</a:t>
+            </a:r>
             <a:endParaRPr lang="pt-BR" dirty="0" smtClean="0"/>
           </a:p>
           <a:p>
@@ -6384,7 +6419,7 @@
     </p:spTree>
     <p:extLst>
       <p:ext uri="{BB962C8B-B14F-4D97-AF65-F5344CB8AC3E}">
-        <p14:creationId xmlns:p14="http://schemas.microsoft.com/office/powerpoint/2010/main" val="380857669"/>
+        <p14:creationId xmlns:p14="http://schemas.microsoft.com/office/powerpoint/2010/main" val="2181890202"/>
       </p:ext>
     </p:extLst>
   </p:cSld>
@@ -6440,7 +6475,7 @@
           <a:p>
             <a:r>
               <a:rPr lang="pt-BR" dirty="0" smtClean="0"/>
-              <a:t>Outros Frameworks</a:t>
+              <a:t>Links de tutoriais</a:t>
             </a:r>
             <a:endParaRPr lang="pt-BR" dirty="0"/>
           </a:p>
@@ -6467,79 +6502,82 @@
           <a:lstStyle/>
           <a:p>
             <a:r>
-              <a:rPr lang="pt-BR" dirty="0" err="1" smtClean="0"/>
-              <a:t>Bootstrap</a:t>
-            </a:r>
+              <a:rPr lang="pt-BR" dirty="0" smtClean="0"/>
+              <a:t>Tutoriais w3schools</a:t>
+            </a:r>
+          </a:p>
+          <a:p>
+            <a:pPr lvl="1"/>
             <a:r>
               <a:rPr lang="pt-BR" dirty="0"/>
-              <a:t>: </a:t>
+              <a:t>http://</a:t>
+            </a:r>
+            <a:r>
+              <a:rPr lang="pt-BR" dirty="0" smtClean="0"/>
+              <a:t>www.w3schools.com/html</a:t>
             </a:r>
             <a:endParaRPr lang="pt-BR" dirty="0" smtClean="0"/>
           </a:p>
           <a:p>
             <a:pPr lvl="1"/>
             <a:r>
+              <a:rPr lang="pt-BR" dirty="0"/>
+              <a:t>http://</a:t>
+            </a:r>
+            <a:r>
               <a:rPr lang="pt-BR" dirty="0" smtClean="0"/>
-              <a:t>Atualmente é o framework mais utilizado no mercado</a:t>
+              <a:t>www.w3schools.com/css</a:t>
             </a:r>
           </a:p>
           <a:p>
             <a:pPr lvl="1"/>
             <a:r>
+              <a:rPr lang="pt-BR" dirty="0"/>
+              <a:t>http://</a:t>
+            </a:r>
+            <a:r>
               <a:rPr lang="pt-BR" dirty="0" smtClean="0"/>
-              <a:t>Link: </a:t>
+              <a:t>www.w3schools.com/js</a:t>
+            </a:r>
+            <a:endParaRPr lang="pt-BR" dirty="0" smtClean="0"/>
+          </a:p>
+          <a:p>
+            <a:pPr lvl="1"/>
+            <a:r>
+              <a:rPr lang="pt-BR" dirty="0">
+                <a:hlinkClick r:id="rId2"/>
+              </a:rPr>
+              <a:t>http://</a:t>
             </a:r>
             <a:r>
               <a:rPr lang="pt-BR" dirty="0" smtClean="0">
                 <a:hlinkClick r:id="rId2"/>
               </a:rPr>
-              <a:t>http</a:t>
-            </a:r>
-            <a:r>
-              <a:rPr lang="pt-BR" dirty="0">
-                <a:hlinkClick r:id="rId2"/>
-              </a:rPr>
-              <a:t>://getbootstrap.com/</a:t>
-            </a:r>
-            <a:endParaRPr lang="pt-BR" dirty="0"/>
-          </a:p>
-          <a:p>
+              <a:t>www.w3schools.com/jquery</a:t>
+            </a:r>
             <a:endParaRPr lang="pt-BR" dirty="0" smtClean="0"/>
           </a:p>
           <a:p>
             <a:r>
+              <a:rPr lang="pt-BR" dirty="0" smtClean="0"/>
+              <a:t>Tutorial </a:t>
+            </a:r>
+            <a:r>
+              <a:rPr lang="pt-BR" dirty="0" err="1" smtClean="0"/>
+              <a:t>Codecademy</a:t>
+            </a:r>
+            <a:endParaRPr lang="pt-BR" dirty="0" smtClean="0"/>
+          </a:p>
+          <a:p>
+            <a:pPr lvl="1"/>
+            <a:r>
+              <a:rPr lang="pt-BR" dirty="0" smtClean="0"/>
+              <a:t>https</a:t>
+            </a:r>
+            <a:r>
               <a:rPr lang="pt-BR" dirty="0"/>
-              <a:t>Materialize: </a:t>
-            </a:r>
-            <a:endParaRPr lang="pt-BR" dirty="0" smtClean="0"/>
-          </a:p>
-          <a:p>
-            <a:pPr lvl="1"/>
-            <a:r>
-              <a:rPr lang="pt-BR" dirty="0" smtClean="0"/>
-              <a:t>Desenvolvido pela Google</a:t>
-            </a:r>
-          </a:p>
-          <a:p>
-            <a:pPr lvl="1"/>
-            <a:r>
-              <a:rPr lang="pt-BR" dirty="0" smtClean="0"/>
-              <a:t>Ainda na versão Beta</a:t>
-            </a:r>
-          </a:p>
-          <a:p>
-            <a:pPr lvl="1"/>
-            <a:r>
-              <a:rPr lang="pt-BR" dirty="0" smtClean="0"/>
-              <a:t>Link: http</a:t>
-            </a:r>
-            <a:r>
-              <a:rPr lang="pt-BR" dirty="0"/>
-              <a:t>://materializecss.com/</a:t>
-            </a:r>
-            <a:endParaRPr lang="pt-BR" dirty="0" smtClean="0"/>
-          </a:p>
-          <a:p>
+              <a:t>://www.codecademy.com/</a:t>
+            </a:r>
             <a:endParaRPr lang="pt-BR" dirty="0"/>
           </a:p>
         </p:txBody>
@@ -6547,7 +6585,7 @@
     </p:spTree>
     <p:extLst>
       <p:ext uri="{BB962C8B-B14F-4D97-AF65-F5344CB8AC3E}">
-        <p14:creationId xmlns:p14="http://schemas.microsoft.com/office/powerpoint/2010/main" val="2181890202"/>
+        <p14:creationId xmlns:p14="http://schemas.microsoft.com/office/powerpoint/2010/main" val="784533173"/>
       </p:ext>
     </p:extLst>
   </p:cSld>
@@ -6561,6 +6599,84 @@
       </p:par>
     </p:tnLst>
   </p:timing>
+</p:sld>
+</file>
+
+<file path=ppt/slides/slide17.xml><?xml version="1.0" encoding="utf-8"?>
+<p:sld xmlns:a="http://schemas.openxmlformats.org/drawingml/2006/main" xmlns:r="http://schemas.openxmlformats.org/officeDocument/2006/relationships" xmlns:p="http://schemas.openxmlformats.org/presentationml/2006/main">
+  <p:cSld>
+    <p:spTree>
+      <p:nvGrpSpPr>
+        <p:cNvPr id="1" name=""/>
+        <p:cNvGrpSpPr/>
+        <p:nvPr/>
+      </p:nvGrpSpPr>
+      <p:grpSpPr>
+        <a:xfrm>
+          <a:off x="0" y="0"/>
+          <a:ext cx="0" cy="0"/>
+          <a:chOff x="0" y="0"/>
+          <a:chExt cx="0" cy="0"/>
+        </a:xfrm>
+      </p:grpSpPr>
+      <p:sp>
+        <p:nvSpPr>
+          <p:cNvPr id="2" name="Título 1"/>
+          <p:cNvSpPr>
+            <a:spLocks noGrp="1"/>
+          </p:cNvSpPr>
+          <p:nvPr>
+            <p:ph type="title"/>
+          </p:nvPr>
+        </p:nvSpPr>
+        <p:spPr>
+          <a:xfrm>
+            <a:off x="684212" y="2794000"/>
+            <a:ext cx="8534400" cy="1507067"/>
+          </a:xfrm>
+        </p:spPr>
+        <p:txBody>
+          <a:bodyPr/>
+          <a:lstStyle/>
+          <a:p>
+            <a:pPr algn="ctr"/>
+            <a:r>
+              <a:rPr lang="pt-BR" dirty="0" smtClean="0"/>
+              <a:t>Dúvidas?</a:t>
+            </a:r>
+            <a:endParaRPr lang="pt-BR" dirty="0"/>
+          </a:p>
+        </p:txBody>
+      </p:sp>
+      <p:sp>
+        <p:nvSpPr>
+          <p:cNvPr id="3" name="Espaço Reservado para Conteúdo 2"/>
+          <p:cNvSpPr>
+            <a:spLocks noGrp="1"/>
+          </p:cNvSpPr>
+          <p:nvPr>
+            <p:ph idx="1"/>
+          </p:nvPr>
+        </p:nvSpPr>
+        <p:spPr/>
+        <p:txBody>
+          <a:bodyPr/>
+          <a:lstStyle/>
+          <a:p>
+            <a:endParaRPr lang="pt-BR"/>
+          </a:p>
+        </p:txBody>
+      </p:sp>
+    </p:spTree>
+    <p:extLst>
+      <p:ext uri="{BB962C8B-B14F-4D97-AF65-F5344CB8AC3E}">
+        <p14:creationId xmlns:p14="http://schemas.microsoft.com/office/powerpoint/2010/main" val="3215474562"/>
+      </p:ext>
+    </p:extLst>
+  </p:cSld>
+  <p:clrMapOvr>
+    <a:masterClrMapping/>
+  </p:clrMapOvr>
 </p:sld>
 </file>
 
@@ -6666,11 +6782,7 @@
           <a:p>
             <a:r>
               <a:rPr lang="pt-BR" dirty="0" smtClean="0"/>
-              <a:t>Tecnologias essenciais ao desenvolvimento </a:t>
-            </a:r>
-            <a:r>
-              <a:rPr lang="pt-BR" dirty="0" smtClean="0"/>
-              <a:t>FRONT-END</a:t>
+              <a:t>Tecnologias essenciais ao desenvolvimento FRONT-END</a:t>
             </a:r>
           </a:p>
           <a:p>
